--- a/研究生/论文图表.pptx
+++ b/研究生/论文图表.pptx
@@ -7,6 +7,11 @@
   <p:sldIdLst>
     <p:sldId id="256" r:id="rId2"/>
     <p:sldId id="257" r:id="rId3"/>
+    <p:sldId id="260" r:id="rId4"/>
+    <p:sldId id="258" r:id="rId5"/>
+    <p:sldId id="262" r:id="rId6"/>
+    <p:sldId id="261" r:id="rId7"/>
+    <p:sldId id="259" r:id="rId8"/>
   </p:sldIdLst>
   <p:sldSz cx="12192000" cy="6858000"/>
   <p:notesSz cx="6858000" cy="9144000"/>
@@ -255,7 +260,7 @@
           <a:p>
             <a:fld id="{14F194D6-CCD0-4DE1-9ED9-6E9BC2E81CFB}" type="datetimeFigureOut">
               <a:rPr lang="zh-CN" altLang="en-US" smtClean="0"/>
-              <a:t>2020/3/13 Friday</a:t>
+              <a:t>2020/4/24 Friday</a:t>
             </a:fld>
             <a:endParaRPr lang="zh-CN" altLang="en-US"/>
           </a:p>
@@ -453,7 +458,7 @@
           <a:p>
             <a:fld id="{14F194D6-CCD0-4DE1-9ED9-6E9BC2E81CFB}" type="datetimeFigureOut">
               <a:rPr lang="zh-CN" altLang="en-US" smtClean="0"/>
-              <a:t>2020/3/13 Friday</a:t>
+              <a:t>2020/4/24 Friday</a:t>
             </a:fld>
             <a:endParaRPr lang="zh-CN" altLang="en-US"/>
           </a:p>
@@ -661,7 +666,7 @@
           <a:p>
             <a:fld id="{14F194D6-CCD0-4DE1-9ED9-6E9BC2E81CFB}" type="datetimeFigureOut">
               <a:rPr lang="zh-CN" altLang="en-US" smtClean="0"/>
-              <a:t>2020/3/13 Friday</a:t>
+              <a:t>2020/4/24 Friday</a:t>
             </a:fld>
             <a:endParaRPr lang="zh-CN" altLang="en-US"/>
           </a:p>
@@ -859,7 +864,7 @@
           <a:p>
             <a:fld id="{14F194D6-CCD0-4DE1-9ED9-6E9BC2E81CFB}" type="datetimeFigureOut">
               <a:rPr lang="zh-CN" altLang="en-US" smtClean="0"/>
-              <a:t>2020/3/13 Friday</a:t>
+              <a:t>2020/4/24 Friday</a:t>
             </a:fld>
             <a:endParaRPr lang="zh-CN" altLang="en-US"/>
           </a:p>
@@ -1134,7 +1139,7 @@
           <a:p>
             <a:fld id="{14F194D6-CCD0-4DE1-9ED9-6E9BC2E81CFB}" type="datetimeFigureOut">
               <a:rPr lang="zh-CN" altLang="en-US" smtClean="0"/>
-              <a:t>2020/3/13 Friday</a:t>
+              <a:t>2020/4/24 Friday</a:t>
             </a:fld>
             <a:endParaRPr lang="zh-CN" altLang="en-US"/>
           </a:p>
@@ -1399,7 +1404,7 @@
           <a:p>
             <a:fld id="{14F194D6-CCD0-4DE1-9ED9-6E9BC2E81CFB}" type="datetimeFigureOut">
               <a:rPr lang="zh-CN" altLang="en-US" smtClean="0"/>
-              <a:t>2020/3/13 Friday</a:t>
+              <a:t>2020/4/24 Friday</a:t>
             </a:fld>
             <a:endParaRPr lang="zh-CN" altLang="en-US"/>
           </a:p>
@@ -1811,7 +1816,7 @@
           <a:p>
             <a:fld id="{14F194D6-CCD0-4DE1-9ED9-6E9BC2E81CFB}" type="datetimeFigureOut">
               <a:rPr lang="zh-CN" altLang="en-US" smtClean="0"/>
-              <a:t>2020/3/13 Friday</a:t>
+              <a:t>2020/4/24 Friday</a:t>
             </a:fld>
             <a:endParaRPr lang="zh-CN" altLang="en-US"/>
           </a:p>
@@ -1952,7 +1957,7 @@
           <a:p>
             <a:fld id="{14F194D6-CCD0-4DE1-9ED9-6E9BC2E81CFB}" type="datetimeFigureOut">
               <a:rPr lang="zh-CN" altLang="en-US" smtClean="0"/>
-              <a:t>2020/3/13 Friday</a:t>
+              <a:t>2020/4/24 Friday</a:t>
             </a:fld>
             <a:endParaRPr lang="zh-CN" altLang="en-US"/>
           </a:p>
@@ -2065,7 +2070,7 @@
           <a:p>
             <a:fld id="{14F194D6-CCD0-4DE1-9ED9-6E9BC2E81CFB}" type="datetimeFigureOut">
               <a:rPr lang="zh-CN" altLang="en-US" smtClean="0"/>
-              <a:t>2020/3/13 Friday</a:t>
+              <a:t>2020/4/24 Friday</a:t>
             </a:fld>
             <a:endParaRPr lang="zh-CN" altLang="en-US"/>
           </a:p>
@@ -2376,7 +2381,7 @@
           <a:p>
             <a:fld id="{14F194D6-CCD0-4DE1-9ED9-6E9BC2E81CFB}" type="datetimeFigureOut">
               <a:rPr lang="zh-CN" altLang="en-US" smtClean="0"/>
-              <a:t>2020/3/13 Friday</a:t>
+              <a:t>2020/4/24 Friday</a:t>
             </a:fld>
             <a:endParaRPr lang="zh-CN" altLang="en-US"/>
           </a:p>
@@ -2664,7 +2669,7 @@
           <a:p>
             <a:fld id="{14F194D6-CCD0-4DE1-9ED9-6E9BC2E81CFB}" type="datetimeFigureOut">
               <a:rPr lang="zh-CN" altLang="en-US" smtClean="0"/>
-              <a:t>2020/3/13 Friday</a:t>
+              <a:t>2020/4/24 Friday</a:t>
             </a:fld>
             <a:endParaRPr lang="zh-CN" altLang="en-US"/>
           </a:p>
@@ -2905,7 +2910,7 @@
           <a:p>
             <a:fld id="{14F194D6-CCD0-4DE1-9ED9-6E9BC2E81CFB}" type="datetimeFigureOut">
               <a:rPr lang="zh-CN" altLang="en-US" smtClean="0"/>
-              <a:t>2020/3/13 Friday</a:t>
+              <a:t>2020/4/24 Friday</a:t>
             </a:fld>
             <a:endParaRPr lang="zh-CN" altLang="en-US"/>
           </a:p>
@@ -4468,6 +4473,4351 @@
 </p:sld>
 </file>
 
+<file path=ppt/slides/slide3.xml><?xml version="1.0" encoding="utf-8"?>
+<p:sld xmlns:a="http://schemas.openxmlformats.org/drawingml/2006/main" xmlns:r="http://schemas.openxmlformats.org/officeDocument/2006/relationships" xmlns:p="http://schemas.openxmlformats.org/presentationml/2006/main">
+  <p:cSld>
+    <p:spTree>
+      <p:nvGrpSpPr>
+        <p:cNvPr id="1" name=""/>
+        <p:cNvGrpSpPr/>
+        <p:nvPr/>
+      </p:nvGrpSpPr>
+      <p:grpSpPr>
+        <a:xfrm>
+          <a:off x="0" y="0"/>
+          <a:ext cx="0" cy="0"/>
+          <a:chOff x="0" y="0"/>
+          <a:chExt cx="0" cy="0"/>
+        </a:xfrm>
+      </p:grpSpPr>
+      <p:pic>
+        <p:nvPicPr>
+          <p:cNvPr id="4" name="图片 3"/>
+          <p:cNvPicPr/>
+          <p:nvPr/>
+        </p:nvPicPr>
+        <p:blipFill>
+          <a:blip r:embed="rId2"/>
+          <a:stretch>
+            <a:fillRect/>
+          </a:stretch>
+        </p:blipFill>
+        <p:spPr>
+          <a:xfrm>
+            <a:off x="1419732" y="1279398"/>
+            <a:ext cx="7175627" cy="3128010"/>
+          </a:xfrm>
+          <a:prstGeom prst="rect">
+            <a:avLst/>
+          </a:prstGeom>
+        </p:spPr>
+      </p:pic>
+    </p:spTree>
+    <p:extLst>
+      <p:ext uri="{BB962C8B-B14F-4D97-AF65-F5344CB8AC3E}">
+        <p14:creationId xmlns:p14="http://schemas.microsoft.com/office/powerpoint/2010/main" val="330284027"/>
+      </p:ext>
+    </p:extLst>
+  </p:cSld>
+  <p:clrMapOvr>
+    <a:masterClrMapping/>
+  </p:clrMapOvr>
+</p:sld>
+</file>
+
+<file path=ppt/slides/slide4.xml><?xml version="1.0" encoding="utf-8"?>
+<p:sld xmlns:a="http://schemas.openxmlformats.org/drawingml/2006/main" xmlns:r="http://schemas.openxmlformats.org/officeDocument/2006/relationships" xmlns:p="http://schemas.openxmlformats.org/presentationml/2006/main">
+  <p:cSld>
+    <p:spTree>
+      <p:nvGrpSpPr>
+        <p:cNvPr id="1" name=""/>
+        <p:cNvGrpSpPr/>
+        <p:nvPr/>
+      </p:nvGrpSpPr>
+      <p:grpSpPr>
+        <a:xfrm>
+          <a:off x="0" y="0"/>
+          <a:ext cx="0" cy="0"/>
+          <a:chOff x="0" y="0"/>
+          <a:chExt cx="0" cy="0"/>
+        </a:xfrm>
+      </p:grpSpPr>
+      <p:cxnSp>
+        <p:nvCxnSpPr>
+          <p:cNvPr id="5" name="直接箭头连接符 4"/>
+          <p:cNvCxnSpPr/>
+          <p:nvPr/>
+        </p:nvCxnSpPr>
+        <p:spPr>
+          <a:xfrm>
+            <a:off x="3035808" y="3666744"/>
+            <a:ext cx="3108960" cy="0"/>
+          </a:xfrm>
+          <a:prstGeom prst="straightConnector1">
+            <a:avLst/>
+          </a:prstGeom>
+          <a:ln>
+            <a:tailEnd type="arrow"/>
+          </a:ln>
+        </p:spPr>
+        <p:style>
+          <a:lnRef idx="2">
+            <a:schemeClr val="dk1"/>
+          </a:lnRef>
+          <a:fillRef idx="0">
+            <a:schemeClr val="dk1"/>
+          </a:fillRef>
+          <a:effectRef idx="1">
+            <a:schemeClr val="dk1"/>
+          </a:effectRef>
+          <a:fontRef idx="minor">
+            <a:schemeClr val="tx1"/>
+          </a:fontRef>
+        </p:style>
+      </p:cxnSp>
+      <p:cxnSp>
+        <p:nvCxnSpPr>
+          <p:cNvPr id="7" name="直接箭头连接符 6"/>
+          <p:cNvCxnSpPr/>
+          <p:nvPr/>
+        </p:nvCxnSpPr>
+        <p:spPr>
+          <a:xfrm flipV="1">
+            <a:off x="3035808" y="905256"/>
+            <a:ext cx="0" cy="2752344"/>
+          </a:xfrm>
+          <a:prstGeom prst="straightConnector1">
+            <a:avLst/>
+          </a:prstGeom>
+          <a:ln>
+            <a:tailEnd type="arrow"/>
+          </a:ln>
+        </p:spPr>
+        <p:style>
+          <a:lnRef idx="2">
+            <a:schemeClr val="dk1"/>
+          </a:lnRef>
+          <a:fillRef idx="0">
+            <a:schemeClr val="dk1"/>
+          </a:fillRef>
+          <a:effectRef idx="1">
+            <a:schemeClr val="dk1"/>
+          </a:effectRef>
+          <a:fontRef idx="minor">
+            <a:schemeClr val="tx1"/>
+          </a:fontRef>
+        </p:style>
+      </p:cxnSp>
+      <p:cxnSp>
+        <p:nvCxnSpPr>
+          <p:cNvPr id="9" name="直接箭头连接符 8"/>
+          <p:cNvCxnSpPr/>
+          <p:nvPr/>
+        </p:nvCxnSpPr>
+        <p:spPr>
+          <a:xfrm flipH="1">
+            <a:off x="1527048" y="3657600"/>
+            <a:ext cx="1508760" cy="1929384"/>
+          </a:xfrm>
+          <a:prstGeom prst="straightConnector1">
+            <a:avLst/>
+          </a:prstGeom>
+          <a:ln>
+            <a:tailEnd type="arrow"/>
+          </a:ln>
+        </p:spPr>
+        <p:style>
+          <a:lnRef idx="2">
+            <a:schemeClr val="dk1"/>
+          </a:lnRef>
+          <a:fillRef idx="0">
+            <a:schemeClr val="dk1"/>
+          </a:fillRef>
+          <a:effectRef idx="1">
+            <a:schemeClr val="dk1"/>
+          </a:effectRef>
+          <a:fontRef idx="minor">
+            <a:schemeClr val="tx1"/>
+          </a:fontRef>
+        </p:style>
+      </p:cxnSp>
+      <p:cxnSp>
+        <p:nvCxnSpPr>
+          <p:cNvPr id="15" name="直接连接符 14"/>
+          <p:cNvCxnSpPr/>
+          <p:nvPr/>
+        </p:nvCxnSpPr>
+        <p:spPr>
+          <a:xfrm flipV="1">
+            <a:off x="3035808" y="1517904"/>
+            <a:ext cx="2386584" cy="27432"/>
+          </a:xfrm>
+          <a:prstGeom prst="line">
+            <a:avLst/>
+          </a:prstGeom>
+        </p:spPr>
+        <p:style>
+          <a:lnRef idx="2">
+            <a:schemeClr val="dk1"/>
+          </a:lnRef>
+          <a:fillRef idx="0">
+            <a:schemeClr val="dk1"/>
+          </a:fillRef>
+          <a:effectRef idx="1">
+            <a:schemeClr val="dk1"/>
+          </a:effectRef>
+          <a:fontRef idx="minor">
+            <a:schemeClr val="tx1"/>
+          </a:fontRef>
+        </p:style>
+      </p:cxnSp>
+      <p:cxnSp>
+        <p:nvCxnSpPr>
+          <p:cNvPr id="19" name="直接连接符 18"/>
+          <p:cNvCxnSpPr/>
+          <p:nvPr/>
+        </p:nvCxnSpPr>
+        <p:spPr>
+          <a:xfrm flipH="1">
+            <a:off x="4654296" y="1517904"/>
+            <a:ext cx="768096" cy="978408"/>
+          </a:xfrm>
+          <a:prstGeom prst="line">
+            <a:avLst/>
+          </a:prstGeom>
+        </p:spPr>
+        <p:style>
+          <a:lnRef idx="2">
+            <a:schemeClr val="dk1"/>
+          </a:lnRef>
+          <a:fillRef idx="0">
+            <a:schemeClr val="dk1"/>
+          </a:fillRef>
+          <a:effectRef idx="1">
+            <a:schemeClr val="dk1"/>
+          </a:effectRef>
+          <a:fontRef idx="minor">
+            <a:schemeClr val="tx1"/>
+          </a:fontRef>
+        </p:style>
+      </p:cxnSp>
+      <p:cxnSp>
+        <p:nvCxnSpPr>
+          <p:cNvPr id="20" name="直接连接符 19"/>
+          <p:cNvCxnSpPr/>
+          <p:nvPr/>
+        </p:nvCxnSpPr>
+        <p:spPr>
+          <a:xfrm flipV="1">
+            <a:off x="2264664" y="2505456"/>
+            <a:ext cx="2386584" cy="27432"/>
+          </a:xfrm>
+          <a:prstGeom prst="line">
+            <a:avLst/>
+          </a:prstGeom>
+        </p:spPr>
+        <p:style>
+          <a:lnRef idx="2">
+            <a:schemeClr val="dk1"/>
+          </a:lnRef>
+          <a:fillRef idx="0">
+            <a:schemeClr val="dk1"/>
+          </a:fillRef>
+          <a:effectRef idx="1">
+            <a:schemeClr val="dk1"/>
+          </a:effectRef>
+          <a:fontRef idx="minor">
+            <a:schemeClr val="tx1"/>
+          </a:fontRef>
+        </p:style>
+      </p:cxnSp>
+      <p:cxnSp>
+        <p:nvCxnSpPr>
+          <p:cNvPr id="26" name="直接连接符 25"/>
+          <p:cNvCxnSpPr/>
+          <p:nvPr/>
+        </p:nvCxnSpPr>
+        <p:spPr>
+          <a:xfrm flipH="1">
+            <a:off x="2264664" y="1545336"/>
+            <a:ext cx="768096" cy="978408"/>
+          </a:xfrm>
+          <a:prstGeom prst="line">
+            <a:avLst/>
+          </a:prstGeom>
+        </p:spPr>
+        <p:style>
+          <a:lnRef idx="2">
+            <a:schemeClr val="dk1"/>
+          </a:lnRef>
+          <a:fillRef idx="0">
+            <a:schemeClr val="dk1"/>
+          </a:fillRef>
+          <a:effectRef idx="1">
+            <a:schemeClr val="dk1"/>
+          </a:effectRef>
+          <a:fontRef idx="minor">
+            <a:schemeClr val="tx1"/>
+          </a:fontRef>
+        </p:style>
+      </p:cxnSp>
+      <p:cxnSp>
+        <p:nvCxnSpPr>
+          <p:cNvPr id="28" name="直接连接符 27"/>
+          <p:cNvCxnSpPr/>
+          <p:nvPr/>
+        </p:nvCxnSpPr>
+        <p:spPr>
+          <a:xfrm>
+            <a:off x="2264664" y="2532888"/>
+            <a:ext cx="16764" cy="2089404"/>
+          </a:xfrm>
+          <a:prstGeom prst="line">
+            <a:avLst/>
+          </a:prstGeom>
+        </p:spPr>
+        <p:style>
+          <a:lnRef idx="2">
+            <a:schemeClr val="dk1"/>
+          </a:lnRef>
+          <a:fillRef idx="0">
+            <a:schemeClr val="dk1"/>
+          </a:fillRef>
+          <a:effectRef idx="1">
+            <a:schemeClr val="dk1"/>
+          </a:effectRef>
+          <a:fontRef idx="minor">
+            <a:schemeClr val="tx1"/>
+          </a:fontRef>
+        </p:style>
+      </p:cxnSp>
+      <p:cxnSp>
+        <p:nvCxnSpPr>
+          <p:cNvPr id="29" name="直接连接符 28"/>
+          <p:cNvCxnSpPr/>
+          <p:nvPr/>
+        </p:nvCxnSpPr>
+        <p:spPr>
+          <a:xfrm>
+            <a:off x="4634484" y="2514600"/>
+            <a:ext cx="16764" cy="2089404"/>
+          </a:xfrm>
+          <a:prstGeom prst="line">
+            <a:avLst/>
+          </a:prstGeom>
+        </p:spPr>
+        <p:style>
+          <a:lnRef idx="2">
+            <a:schemeClr val="dk1"/>
+          </a:lnRef>
+          <a:fillRef idx="0">
+            <a:schemeClr val="dk1"/>
+          </a:fillRef>
+          <a:effectRef idx="1">
+            <a:schemeClr val="dk1"/>
+          </a:effectRef>
+          <a:fontRef idx="minor">
+            <a:schemeClr val="tx1"/>
+          </a:fontRef>
+        </p:style>
+      </p:cxnSp>
+      <p:cxnSp>
+        <p:nvCxnSpPr>
+          <p:cNvPr id="30" name="直接连接符 29"/>
+          <p:cNvCxnSpPr/>
+          <p:nvPr/>
+        </p:nvCxnSpPr>
+        <p:spPr>
+          <a:xfrm flipV="1">
+            <a:off x="2266188" y="4604004"/>
+            <a:ext cx="2386584" cy="27432"/>
+          </a:xfrm>
+          <a:prstGeom prst="line">
+            <a:avLst/>
+          </a:prstGeom>
+        </p:spPr>
+        <p:style>
+          <a:lnRef idx="2">
+            <a:schemeClr val="dk1"/>
+          </a:lnRef>
+          <a:fillRef idx="0">
+            <a:schemeClr val="dk1"/>
+          </a:fillRef>
+          <a:effectRef idx="1">
+            <a:schemeClr val="dk1"/>
+          </a:effectRef>
+          <a:fontRef idx="minor">
+            <a:schemeClr val="tx1"/>
+          </a:fontRef>
+        </p:style>
+      </p:cxnSp>
+      <p:cxnSp>
+        <p:nvCxnSpPr>
+          <p:cNvPr id="31" name="直接连接符 30"/>
+          <p:cNvCxnSpPr/>
+          <p:nvPr/>
+        </p:nvCxnSpPr>
+        <p:spPr>
+          <a:xfrm>
+            <a:off x="5413248" y="1527048"/>
+            <a:ext cx="9144" cy="2139696"/>
+          </a:xfrm>
+          <a:prstGeom prst="line">
+            <a:avLst/>
+          </a:prstGeom>
+        </p:spPr>
+        <p:style>
+          <a:lnRef idx="2">
+            <a:schemeClr val="dk1"/>
+          </a:lnRef>
+          <a:fillRef idx="0">
+            <a:schemeClr val="dk1"/>
+          </a:fillRef>
+          <a:effectRef idx="1">
+            <a:schemeClr val="dk1"/>
+          </a:effectRef>
+          <a:fontRef idx="minor">
+            <a:schemeClr val="tx1"/>
+          </a:fontRef>
+        </p:style>
+      </p:cxnSp>
+      <p:cxnSp>
+        <p:nvCxnSpPr>
+          <p:cNvPr id="33" name="直接连接符 32"/>
+          <p:cNvCxnSpPr/>
+          <p:nvPr/>
+        </p:nvCxnSpPr>
+        <p:spPr>
+          <a:xfrm flipH="1">
+            <a:off x="4642866" y="3657600"/>
+            <a:ext cx="779526" cy="960120"/>
+          </a:xfrm>
+          <a:prstGeom prst="line">
+            <a:avLst/>
+          </a:prstGeom>
+        </p:spPr>
+        <p:style>
+          <a:lnRef idx="2">
+            <a:schemeClr val="dk1"/>
+          </a:lnRef>
+          <a:fillRef idx="0">
+            <a:schemeClr val="dk1"/>
+          </a:fillRef>
+          <a:effectRef idx="1">
+            <a:schemeClr val="dk1"/>
+          </a:effectRef>
+          <a:fontRef idx="minor">
+            <a:schemeClr val="tx1"/>
+          </a:fontRef>
+        </p:style>
+      </p:cxnSp>
+      <p:cxnSp>
+        <p:nvCxnSpPr>
+          <p:cNvPr id="35" name="直接连接符 34"/>
+          <p:cNvCxnSpPr/>
+          <p:nvPr/>
+        </p:nvCxnSpPr>
+        <p:spPr>
+          <a:xfrm flipH="1">
+            <a:off x="4654296" y="2596896"/>
+            <a:ext cx="779526" cy="960120"/>
+          </a:xfrm>
+          <a:prstGeom prst="line">
+            <a:avLst/>
+          </a:prstGeom>
+        </p:spPr>
+        <p:style>
+          <a:lnRef idx="2">
+            <a:schemeClr val="dk1"/>
+          </a:lnRef>
+          <a:fillRef idx="0">
+            <a:schemeClr val="dk1"/>
+          </a:fillRef>
+          <a:effectRef idx="1">
+            <a:schemeClr val="dk1"/>
+          </a:effectRef>
+          <a:fontRef idx="minor">
+            <a:schemeClr val="tx1"/>
+          </a:fontRef>
+        </p:style>
+      </p:cxnSp>
+      <p:cxnSp>
+        <p:nvCxnSpPr>
+          <p:cNvPr id="36" name="直接连接符 35"/>
+          <p:cNvCxnSpPr/>
+          <p:nvPr/>
+        </p:nvCxnSpPr>
+        <p:spPr>
+          <a:xfrm>
+            <a:off x="5015484" y="2048256"/>
+            <a:ext cx="16764" cy="2089404"/>
+          </a:xfrm>
+          <a:prstGeom prst="line">
+            <a:avLst/>
+          </a:prstGeom>
+        </p:spPr>
+        <p:style>
+          <a:lnRef idx="2">
+            <a:schemeClr val="dk1"/>
+          </a:lnRef>
+          <a:fillRef idx="0">
+            <a:schemeClr val="dk1"/>
+          </a:fillRef>
+          <a:effectRef idx="1">
+            <a:schemeClr val="dk1"/>
+          </a:effectRef>
+          <a:fontRef idx="minor">
+            <a:schemeClr val="tx1"/>
+          </a:fontRef>
+        </p:style>
+      </p:cxnSp>
+      <p:cxnSp>
+        <p:nvCxnSpPr>
+          <p:cNvPr id="37" name="直接连接符 36"/>
+          <p:cNvCxnSpPr/>
+          <p:nvPr/>
+        </p:nvCxnSpPr>
+        <p:spPr>
+          <a:xfrm flipV="1">
+            <a:off x="2618232" y="2039112"/>
+            <a:ext cx="2386584" cy="27432"/>
+          </a:xfrm>
+          <a:prstGeom prst="line">
+            <a:avLst/>
+          </a:prstGeom>
+        </p:spPr>
+        <p:style>
+          <a:lnRef idx="2">
+            <a:schemeClr val="dk1"/>
+          </a:lnRef>
+          <a:fillRef idx="0">
+            <a:schemeClr val="dk1"/>
+          </a:fillRef>
+          <a:effectRef idx="1">
+            <a:schemeClr val="dk1"/>
+          </a:effectRef>
+          <a:fontRef idx="minor">
+            <a:schemeClr val="tx1"/>
+          </a:fontRef>
+        </p:style>
+      </p:cxnSp>
+      <p:cxnSp>
+        <p:nvCxnSpPr>
+          <p:cNvPr id="38" name="直接连接符 37"/>
+          <p:cNvCxnSpPr/>
+          <p:nvPr/>
+        </p:nvCxnSpPr>
+        <p:spPr>
+          <a:xfrm flipH="1">
+            <a:off x="3427476" y="1533144"/>
+            <a:ext cx="768096" cy="978408"/>
+          </a:xfrm>
+          <a:prstGeom prst="line">
+            <a:avLst/>
+          </a:prstGeom>
+        </p:spPr>
+        <p:style>
+          <a:lnRef idx="2">
+            <a:schemeClr val="dk1"/>
+          </a:lnRef>
+          <a:fillRef idx="0">
+            <a:schemeClr val="dk1"/>
+          </a:fillRef>
+          <a:effectRef idx="1">
+            <a:schemeClr val="dk1"/>
+          </a:effectRef>
+          <a:fontRef idx="minor">
+            <a:schemeClr val="tx1"/>
+          </a:fontRef>
+        </p:style>
+      </p:cxnSp>
+      <p:cxnSp>
+        <p:nvCxnSpPr>
+          <p:cNvPr id="39" name="直接连接符 38"/>
+          <p:cNvCxnSpPr/>
+          <p:nvPr/>
+        </p:nvCxnSpPr>
+        <p:spPr>
+          <a:xfrm>
+            <a:off x="3427476" y="2542032"/>
+            <a:ext cx="16764" cy="2089404"/>
+          </a:xfrm>
+          <a:prstGeom prst="line">
+            <a:avLst/>
+          </a:prstGeom>
+        </p:spPr>
+        <p:style>
+          <a:lnRef idx="2">
+            <a:schemeClr val="dk1"/>
+          </a:lnRef>
+          <a:fillRef idx="0">
+            <a:schemeClr val="dk1"/>
+          </a:fillRef>
+          <a:effectRef idx="1">
+            <a:schemeClr val="dk1"/>
+          </a:effectRef>
+          <a:fontRef idx="minor">
+            <a:schemeClr val="tx1"/>
+          </a:fontRef>
+        </p:style>
+      </p:cxnSp>
+      <p:cxnSp>
+        <p:nvCxnSpPr>
+          <p:cNvPr id="40" name="直接连接符 39"/>
+          <p:cNvCxnSpPr/>
+          <p:nvPr/>
+        </p:nvCxnSpPr>
+        <p:spPr>
+          <a:xfrm flipV="1">
+            <a:off x="2264664" y="3550158"/>
+            <a:ext cx="2386584" cy="27432"/>
+          </a:xfrm>
+          <a:prstGeom prst="line">
+            <a:avLst/>
+          </a:prstGeom>
+        </p:spPr>
+        <p:style>
+          <a:lnRef idx="2">
+            <a:schemeClr val="dk1"/>
+          </a:lnRef>
+          <a:fillRef idx="0">
+            <a:schemeClr val="dk1"/>
+          </a:fillRef>
+          <a:effectRef idx="1">
+            <a:schemeClr val="dk1"/>
+          </a:effectRef>
+          <a:fontRef idx="minor">
+            <a:schemeClr val="tx1"/>
+          </a:fontRef>
+        </p:style>
+      </p:cxnSp>
+      <p:sp>
+        <p:nvSpPr>
+          <p:cNvPr id="41" name="TextBox 40"/>
+          <p:cNvSpPr txBox="1"/>
+          <p:nvPr/>
+        </p:nvSpPr>
+        <p:spPr>
+          <a:xfrm>
+            <a:off x="3159398" y="1653278"/>
+            <a:ext cx="300082" cy="369332"/>
+          </a:xfrm>
+          <a:prstGeom prst="rect">
+            <a:avLst/>
+          </a:prstGeom>
+          <a:noFill/>
+        </p:spPr>
+        <p:txBody>
+          <a:bodyPr wrap="none" rtlCol="0">
+            <a:spAutoFit/>
+          </a:bodyPr>
+          <a:lstStyle/>
+          <a:p>
+            <a:r>
+              <a:rPr lang="en-US" altLang="zh-CN" dirty="0" smtClean="0"/>
+              <a:t>2</a:t>
+            </a:r>
+            <a:endParaRPr lang="zh-CN" altLang="en-US" dirty="0"/>
+          </a:p>
+        </p:txBody>
+      </p:sp>
+      <p:sp>
+        <p:nvSpPr>
+          <p:cNvPr id="42" name="TextBox 41"/>
+          <p:cNvSpPr txBox="1"/>
+          <p:nvPr/>
+        </p:nvSpPr>
+        <p:spPr>
+          <a:xfrm>
+            <a:off x="4354214" y="1665208"/>
+            <a:ext cx="300082" cy="369332"/>
+          </a:xfrm>
+          <a:prstGeom prst="rect">
+            <a:avLst/>
+          </a:prstGeom>
+          <a:noFill/>
+        </p:spPr>
+        <p:txBody>
+          <a:bodyPr wrap="none" rtlCol="0">
+            <a:spAutoFit/>
+          </a:bodyPr>
+          <a:lstStyle/>
+          <a:p>
+            <a:r>
+              <a:rPr lang="en-US" altLang="zh-CN" dirty="0" smtClean="0"/>
+              <a:t>3</a:t>
+            </a:r>
+            <a:endParaRPr lang="zh-CN" altLang="en-US" dirty="0"/>
+          </a:p>
+        </p:txBody>
+      </p:sp>
+      <p:sp>
+        <p:nvSpPr>
+          <p:cNvPr id="43" name="TextBox 42"/>
+          <p:cNvSpPr txBox="1"/>
+          <p:nvPr/>
+        </p:nvSpPr>
+        <p:spPr>
+          <a:xfrm>
+            <a:off x="3032760" y="2098548"/>
+            <a:ext cx="300082" cy="369332"/>
+          </a:xfrm>
+          <a:prstGeom prst="rect">
+            <a:avLst/>
+          </a:prstGeom>
+          <a:noFill/>
+        </p:spPr>
+        <p:txBody>
+          <a:bodyPr wrap="none" rtlCol="0">
+            <a:spAutoFit/>
+          </a:bodyPr>
+          <a:lstStyle/>
+          <a:p>
+            <a:r>
+              <a:rPr lang="en-US" altLang="zh-CN" dirty="0" smtClean="0"/>
+              <a:t>6</a:t>
+            </a:r>
+            <a:endParaRPr lang="zh-CN" altLang="en-US" dirty="0"/>
+          </a:p>
+        </p:txBody>
+      </p:sp>
+      <p:sp>
+        <p:nvSpPr>
+          <p:cNvPr id="44" name="TextBox 43"/>
+          <p:cNvSpPr txBox="1"/>
+          <p:nvPr/>
+        </p:nvSpPr>
+        <p:spPr>
+          <a:xfrm>
+            <a:off x="4045531" y="2104644"/>
+            <a:ext cx="300082" cy="369332"/>
+          </a:xfrm>
+          <a:prstGeom prst="rect">
+            <a:avLst/>
+          </a:prstGeom>
+          <a:noFill/>
+        </p:spPr>
+        <p:txBody>
+          <a:bodyPr wrap="none" rtlCol="0">
+            <a:spAutoFit/>
+          </a:bodyPr>
+          <a:lstStyle/>
+          <a:p>
+            <a:r>
+              <a:rPr lang="en-US" altLang="zh-CN" dirty="0"/>
+              <a:t>7</a:t>
+            </a:r>
+            <a:endParaRPr lang="zh-CN" altLang="en-US" dirty="0"/>
+          </a:p>
+        </p:txBody>
+      </p:sp>
+      <p:sp>
+        <p:nvSpPr>
+          <p:cNvPr id="2" name="TextBox 1"/>
+          <p:cNvSpPr txBox="1"/>
+          <p:nvPr/>
+        </p:nvSpPr>
+        <p:spPr>
+          <a:xfrm>
+            <a:off x="5436870" y="3246096"/>
+            <a:ext cx="697627" cy="338554"/>
+          </a:xfrm>
+          <a:prstGeom prst="rect">
+            <a:avLst/>
+          </a:prstGeom>
+          <a:noFill/>
+        </p:spPr>
+        <p:txBody>
+          <a:bodyPr wrap="none" rtlCol="0">
+            <a:spAutoFit/>
+          </a:bodyPr>
+          <a:lstStyle/>
+          <a:p>
+            <a:r>
+              <a:rPr lang="zh-CN" altLang="en-US" sz="1600" dirty="0" smtClean="0"/>
+              <a:t>顶点</a:t>
+            </a:r>
+            <a:r>
+              <a:rPr lang="en-US" altLang="zh-CN" sz="1600" dirty="0" smtClean="0"/>
+              <a:t>1</a:t>
+            </a:r>
+            <a:endParaRPr lang="zh-CN" altLang="en-US" sz="1600" dirty="0"/>
+          </a:p>
+        </p:txBody>
+      </p:sp>
+      <p:sp>
+        <p:nvSpPr>
+          <p:cNvPr id="25" name="TextBox 24"/>
+          <p:cNvSpPr txBox="1"/>
+          <p:nvPr/>
+        </p:nvSpPr>
+        <p:spPr>
+          <a:xfrm>
+            <a:off x="2141982" y="1284208"/>
+            <a:ext cx="697627" cy="338554"/>
+          </a:xfrm>
+          <a:prstGeom prst="rect">
+            <a:avLst/>
+          </a:prstGeom>
+          <a:noFill/>
+        </p:spPr>
+        <p:txBody>
+          <a:bodyPr wrap="none" rtlCol="0">
+            <a:spAutoFit/>
+          </a:bodyPr>
+          <a:lstStyle/>
+          <a:p>
+            <a:r>
+              <a:rPr lang="zh-CN" altLang="en-US" sz="1600" dirty="0" smtClean="0"/>
+              <a:t>顶点</a:t>
+            </a:r>
+            <a:r>
+              <a:rPr lang="en-US" altLang="zh-CN" sz="1600" dirty="0" smtClean="0"/>
+              <a:t>2</a:t>
+            </a:r>
+            <a:endParaRPr lang="zh-CN" altLang="en-US" sz="1600" dirty="0"/>
+          </a:p>
+        </p:txBody>
+      </p:sp>
+      <p:sp>
+        <p:nvSpPr>
+          <p:cNvPr id="27" name="TextBox 26"/>
+          <p:cNvSpPr txBox="1"/>
+          <p:nvPr/>
+        </p:nvSpPr>
+        <p:spPr>
+          <a:xfrm>
+            <a:off x="5453269" y="1363867"/>
+            <a:ext cx="697627" cy="338554"/>
+          </a:xfrm>
+          <a:prstGeom prst="rect">
+            <a:avLst/>
+          </a:prstGeom>
+          <a:noFill/>
+        </p:spPr>
+        <p:txBody>
+          <a:bodyPr wrap="none" rtlCol="0">
+            <a:spAutoFit/>
+          </a:bodyPr>
+          <a:lstStyle/>
+          <a:p>
+            <a:r>
+              <a:rPr lang="zh-CN" altLang="en-US" sz="1600" dirty="0" smtClean="0"/>
+              <a:t>顶点</a:t>
+            </a:r>
+            <a:r>
+              <a:rPr lang="en-US" altLang="zh-CN" sz="1600" dirty="0" smtClean="0"/>
+              <a:t>3</a:t>
+            </a:r>
+            <a:endParaRPr lang="zh-CN" altLang="en-US" sz="1600" dirty="0"/>
+          </a:p>
+        </p:txBody>
+      </p:sp>
+      <p:sp>
+        <p:nvSpPr>
+          <p:cNvPr id="32" name="TextBox 31"/>
+          <p:cNvSpPr txBox="1"/>
+          <p:nvPr/>
+        </p:nvSpPr>
+        <p:spPr>
+          <a:xfrm>
+            <a:off x="1380235" y="2542032"/>
+            <a:ext cx="697627" cy="338554"/>
+          </a:xfrm>
+          <a:prstGeom prst="rect">
+            <a:avLst/>
+          </a:prstGeom>
+          <a:noFill/>
+        </p:spPr>
+        <p:txBody>
+          <a:bodyPr wrap="none" rtlCol="0">
+            <a:spAutoFit/>
+          </a:bodyPr>
+          <a:lstStyle/>
+          <a:p>
+            <a:r>
+              <a:rPr lang="zh-CN" altLang="en-US" sz="1600" dirty="0" smtClean="0"/>
+              <a:t>顶点</a:t>
+            </a:r>
+            <a:r>
+              <a:rPr lang="en-US" altLang="zh-CN" sz="1600" dirty="0" smtClean="0"/>
+              <a:t>6</a:t>
+            </a:r>
+            <a:endParaRPr lang="zh-CN" altLang="en-US" sz="1600" dirty="0"/>
+          </a:p>
+        </p:txBody>
+      </p:sp>
+      <p:sp>
+        <p:nvSpPr>
+          <p:cNvPr id="34" name="TextBox 33"/>
+          <p:cNvSpPr txBox="1"/>
+          <p:nvPr/>
+        </p:nvSpPr>
+        <p:spPr>
+          <a:xfrm>
+            <a:off x="3811524" y="2564892"/>
+            <a:ext cx="697627" cy="338554"/>
+          </a:xfrm>
+          <a:prstGeom prst="rect">
+            <a:avLst/>
+          </a:prstGeom>
+          <a:noFill/>
+        </p:spPr>
+        <p:txBody>
+          <a:bodyPr wrap="none" rtlCol="0">
+            <a:spAutoFit/>
+          </a:bodyPr>
+          <a:lstStyle/>
+          <a:p>
+            <a:r>
+              <a:rPr lang="zh-CN" altLang="en-US" sz="1600" dirty="0" smtClean="0"/>
+              <a:t>顶点</a:t>
+            </a:r>
+            <a:r>
+              <a:rPr lang="en-US" altLang="zh-CN" sz="1600" dirty="0" smtClean="0"/>
+              <a:t>7</a:t>
+            </a:r>
+            <a:endParaRPr lang="zh-CN" altLang="en-US" sz="1600" dirty="0"/>
+          </a:p>
+        </p:txBody>
+      </p:sp>
+      <p:sp>
+        <p:nvSpPr>
+          <p:cNvPr id="45" name="TextBox 44"/>
+          <p:cNvSpPr txBox="1"/>
+          <p:nvPr/>
+        </p:nvSpPr>
+        <p:spPr>
+          <a:xfrm>
+            <a:off x="2307555" y="4753094"/>
+            <a:ext cx="697627" cy="338554"/>
+          </a:xfrm>
+          <a:prstGeom prst="rect">
+            <a:avLst/>
+          </a:prstGeom>
+          <a:noFill/>
+        </p:spPr>
+        <p:txBody>
+          <a:bodyPr wrap="none" rtlCol="0">
+            <a:spAutoFit/>
+          </a:bodyPr>
+          <a:lstStyle/>
+          <a:p>
+            <a:r>
+              <a:rPr lang="zh-CN" altLang="en-US" sz="1600" dirty="0" smtClean="0"/>
+              <a:t>顶点</a:t>
+            </a:r>
+            <a:r>
+              <a:rPr lang="en-US" altLang="zh-CN" sz="1600" dirty="0" smtClean="0"/>
+              <a:t>4</a:t>
+            </a:r>
+            <a:endParaRPr lang="zh-CN" altLang="en-US" sz="1600" dirty="0"/>
+          </a:p>
+        </p:txBody>
+      </p:sp>
+      <p:sp>
+        <p:nvSpPr>
+          <p:cNvPr id="46" name="TextBox 45"/>
+          <p:cNvSpPr txBox="1"/>
+          <p:nvPr/>
+        </p:nvSpPr>
+        <p:spPr>
+          <a:xfrm>
+            <a:off x="4634484" y="4690348"/>
+            <a:ext cx="697627" cy="338554"/>
+          </a:xfrm>
+          <a:prstGeom prst="rect">
+            <a:avLst/>
+          </a:prstGeom>
+          <a:noFill/>
+        </p:spPr>
+        <p:txBody>
+          <a:bodyPr wrap="none" rtlCol="0">
+            <a:spAutoFit/>
+          </a:bodyPr>
+          <a:lstStyle/>
+          <a:p>
+            <a:r>
+              <a:rPr lang="zh-CN" altLang="en-US" sz="1600" dirty="0" smtClean="0"/>
+              <a:t>顶点</a:t>
+            </a:r>
+            <a:r>
+              <a:rPr lang="en-US" altLang="zh-CN" sz="1600" dirty="0" smtClean="0"/>
+              <a:t>5</a:t>
+            </a:r>
+            <a:endParaRPr lang="zh-CN" altLang="en-US" sz="1600" dirty="0"/>
+          </a:p>
+        </p:txBody>
+      </p:sp>
+      <p:sp>
+        <p:nvSpPr>
+          <p:cNvPr id="47" name="TextBox 46"/>
+          <p:cNvSpPr txBox="1"/>
+          <p:nvPr/>
+        </p:nvSpPr>
+        <p:spPr>
+          <a:xfrm>
+            <a:off x="2705100" y="2845308"/>
+            <a:ext cx="300082" cy="369332"/>
+          </a:xfrm>
+          <a:prstGeom prst="rect">
+            <a:avLst/>
+          </a:prstGeom>
+          <a:noFill/>
+        </p:spPr>
+        <p:txBody>
+          <a:bodyPr wrap="none" rtlCol="0">
+            <a:spAutoFit/>
+          </a:bodyPr>
+          <a:lstStyle/>
+          <a:p>
+            <a:r>
+              <a:rPr lang="en-US" altLang="zh-CN" dirty="0" smtClean="0"/>
+              <a:t>6</a:t>
+            </a:r>
+            <a:endParaRPr lang="zh-CN" altLang="en-US" dirty="0"/>
+          </a:p>
+        </p:txBody>
+      </p:sp>
+      <p:sp>
+        <p:nvSpPr>
+          <p:cNvPr id="48" name="TextBox 47"/>
+          <p:cNvSpPr txBox="1"/>
+          <p:nvPr/>
+        </p:nvSpPr>
+        <p:spPr>
+          <a:xfrm>
+            <a:off x="3849789" y="2934224"/>
+            <a:ext cx="300082" cy="369332"/>
+          </a:xfrm>
+          <a:prstGeom prst="rect">
+            <a:avLst/>
+          </a:prstGeom>
+          <a:noFill/>
+        </p:spPr>
+        <p:txBody>
+          <a:bodyPr wrap="none" rtlCol="0">
+            <a:spAutoFit/>
+          </a:bodyPr>
+          <a:lstStyle/>
+          <a:p>
+            <a:r>
+              <a:rPr lang="en-US" altLang="zh-CN" dirty="0"/>
+              <a:t>7</a:t>
+            </a:r>
+            <a:endParaRPr lang="zh-CN" altLang="en-US" dirty="0"/>
+          </a:p>
+        </p:txBody>
+      </p:sp>
+      <p:sp>
+        <p:nvSpPr>
+          <p:cNvPr id="3" name="TextBox 2"/>
+          <p:cNvSpPr txBox="1"/>
+          <p:nvPr/>
+        </p:nvSpPr>
+        <p:spPr>
+          <a:xfrm>
+            <a:off x="5113166" y="3152894"/>
+            <a:ext cx="300082" cy="369332"/>
+          </a:xfrm>
+          <a:prstGeom prst="rect">
+            <a:avLst/>
+          </a:prstGeom>
+          <a:noFill/>
+        </p:spPr>
+        <p:txBody>
+          <a:bodyPr wrap="none" rtlCol="0">
+            <a:spAutoFit/>
+          </a:bodyPr>
+          <a:lstStyle/>
+          <a:p>
+            <a:r>
+              <a:rPr lang="en-US" altLang="zh-CN" dirty="0" smtClean="0"/>
+              <a:t>1</a:t>
+            </a:r>
+            <a:endParaRPr lang="zh-CN" altLang="en-US" dirty="0"/>
+          </a:p>
+        </p:txBody>
+      </p:sp>
+      <p:sp>
+        <p:nvSpPr>
+          <p:cNvPr id="4" name="TextBox 3"/>
+          <p:cNvSpPr txBox="1"/>
+          <p:nvPr/>
+        </p:nvSpPr>
+        <p:spPr>
+          <a:xfrm>
+            <a:off x="5044059" y="2172700"/>
+            <a:ext cx="300082" cy="369332"/>
+          </a:xfrm>
+          <a:prstGeom prst="rect">
+            <a:avLst/>
+          </a:prstGeom>
+          <a:noFill/>
+        </p:spPr>
+        <p:txBody>
+          <a:bodyPr wrap="none" rtlCol="0">
+            <a:spAutoFit/>
+          </a:bodyPr>
+          <a:lstStyle/>
+          <a:p>
+            <a:r>
+              <a:rPr lang="en-US" altLang="zh-CN" dirty="0" smtClean="0"/>
+              <a:t>3</a:t>
+            </a:r>
+            <a:endParaRPr lang="zh-CN" altLang="en-US" dirty="0"/>
+          </a:p>
+        </p:txBody>
+      </p:sp>
+      <p:sp>
+        <p:nvSpPr>
+          <p:cNvPr id="6" name="TextBox 5"/>
+          <p:cNvSpPr txBox="1"/>
+          <p:nvPr/>
+        </p:nvSpPr>
+        <p:spPr>
+          <a:xfrm>
+            <a:off x="4685465" y="2663690"/>
+            <a:ext cx="300082" cy="369332"/>
+          </a:xfrm>
+          <a:prstGeom prst="rect">
+            <a:avLst/>
+          </a:prstGeom>
+          <a:noFill/>
+        </p:spPr>
+        <p:txBody>
+          <a:bodyPr wrap="none" rtlCol="0">
+            <a:spAutoFit/>
+          </a:bodyPr>
+          <a:lstStyle/>
+          <a:p>
+            <a:r>
+              <a:rPr lang="en-US" altLang="zh-CN" dirty="0" smtClean="0"/>
+              <a:t>7</a:t>
+            </a:r>
+            <a:endParaRPr lang="zh-CN" altLang="en-US" dirty="0"/>
+          </a:p>
+        </p:txBody>
+      </p:sp>
+      <p:sp>
+        <p:nvSpPr>
+          <p:cNvPr id="8" name="TextBox 7"/>
+          <p:cNvSpPr txBox="1"/>
+          <p:nvPr/>
+        </p:nvSpPr>
+        <p:spPr>
+          <a:xfrm>
+            <a:off x="4690710" y="3764756"/>
+            <a:ext cx="300082" cy="369332"/>
+          </a:xfrm>
+          <a:prstGeom prst="rect">
+            <a:avLst/>
+          </a:prstGeom>
+          <a:noFill/>
+        </p:spPr>
+        <p:txBody>
+          <a:bodyPr wrap="none" rtlCol="0">
+            <a:spAutoFit/>
+          </a:bodyPr>
+          <a:lstStyle/>
+          <a:p>
+            <a:r>
+              <a:rPr lang="en-US" altLang="zh-CN" dirty="0" smtClean="0"/>
+              <a:t>5</a:t>
+            </a:r>
+            <a:endParaRPr lang="zh-CN" altLang="en-US" dirty="0"/>
+          </a:p>
+        </p:txBody>
+      </p:sp>
+      <p:sp>
+        <p:nvSpPr>
+          <p:cNvPr id="10" name="椭圆 9"/>
+          <p:cNvSpPr/>
+          <p:nvPr/>
+        </p:nvSpPr>
+        <p:spPr>
+          <a:xfrm>
+            <a:off x="9022080" y="1226820"/>
+            <a:ext cx="266700" cy="242054"/>
+          </a:xfrm>
+          <a:prstGeom prst="ellipse">
+            <a:avLst/>
+          </a:prstGeom>
+        </p:spPr>
+        <p:style>
+          <a:lnRef idx="2">
+            <a:schemeClr val="dk1"/>
+          </a:lnRef>
+          <a:fillRef idx="1">
+            <a:schemeClr val="lt1"/>
+          </a:fillRef>
+          <a:effectRef idx="0">
+            <a:schemeClr val="dk1"/>
+          </a:effectRef>
+          <a:fontRef idx="minor">
+            <a:schemeClr val="dk1"/>
+          </a:fontRef>
+        </p:style>
+        <p:txBody>
+          <a:bodyPr rtlCol="0" anchor="ctr"/>
+          <a:lstStyle/>
+          <a:p>
+            <a:pPr algn="ctr"/>
+            <a:endParaRPr lang="zh-CN" altLang="en-US"/>
+          </a:p>
+        </p:txBody>
+      </p:sp>
+      <p:sp>
+        <p:nvSpPr>
+          <p:cNvPr id="11" name="TextBox 10"/>
+          <p:cNvSpPr txBox="1"/>
+          <p:nvPr/>
+        </p:nvSpPr>
+        <p:spPr>
+          <a:xfrm>
+            <a:off x="9517380" y="1150096"/>
+            <a:ext cx="761747" cy="369332"/>
+          </a:xfrm>
+          <a:prstGeom prst="rect">
+            <a:avLst/>
+          </a:prstGeom>
+          <a:noFill/>
+        </p:spPr>
+        <p:txBody>
+          <a:bodyPr wrap="none" rtlCol="0">
+            <a:spAutoFit/>
+          </a:bodyPr>
+          <a:lstStyle/>
+          <a:p>
+            <a:r>
+              <a:rPr lang="zh-CN" altLang="en-US" dirty="0" smtClean="0"/>
+              <a:t>深度</a:t>
+            </a:r>
+            <a:r>
+              <a:rPr lang="en-US" altLang="zh-CN" dirty="0" smtClean="0"/>
+              <a:t>1</a:t>
+            </a:r>
+            <a:endParaRPr lang="zh-CN" altLang="en-US" dirty="0"/>
+          </a:p>
+        </p:txBody>
+      </p:sp>
+      <p:sp>
+        <p:nvSpPr>
+          <p:cNvPr id="49" name="椭圆 48"/>
+          <p:cNvSpPr/>
+          <p:nvPr/>
+        </p:nvSpPr>
+        <p:spPr>
+          <a:xfrm>
+            <a:off x="7642860" y="2443865"/>
+            <a:ext cx="266700" cy="242054"/>
+          </a:xfrm>
+          <a:prstGeom prst="ellipse">
+            <a:avLst/>
+          </a:prstGeom>
+        </p:spPr>
+        <p:style>
+          <a:lnRef idx="2">
+            <a:schemeClr val="dk1"/>
+          </a:lnRef>
+          <a:fillRef idx="1">
+            <a:schemeClr val="lt1"/>
+          </a:fillRef>
+          <a:effectRef idx="0">
+            <a:schemeClr val="dk1"/>
+          </a:effectRef>
+          <a:fontRef idx="minor">
+            <a:schemeClr val="dk1"/>
+          </a:fontRef>
+        </p:style>
+        <p:txBody>
+          <a:bodyPr rtlCol="0" anchor="ctr"/>
+          <a:lstStyle/>
+          <a:p>
+            <a:pPr algn="ctr"/>
+            <a:endParaRPr lang="zh-CN" altLang="en-US"/>
+          </a:p>
+        </p:txBody>
+      </p:sp>
+      <p:sp>
+        <p:nvSpPr>
+          <p:cNvPr id="50" name="椭圆 49"/>
+          <p:cNvSpPr/>
+          <p:nvPr/>
+        </p:nvSpPr>
+        <p:spPr>
+          <a:xfrm>
+            <a:off x="8100060" y="2443865"/>
+            <a:ext cx="266700" cy="242054"/>
+          </a:xfrm>
+          <a:prstGeom prst="ellipse">
+            <a:avLst/>
+          </a:prstGeom>
+        </p:spPr>
+        <p:style>
+          <a:lnRef idx="2">
+            <a:schemeClr val="dk1"/>
+          </a:lnRef>
+          <a:fillRef idx="1">
+            <a:schemeClr val="lt1"/>
+          </a:fillRef>
+          <a:effectRef idx="0">
+            <a:schemeClr val="dk1"/>
+          </a:effectRef>
+          <a:fontRef idx="minor">
+            <a:schemeClr val="dk1"/>
+          </a:fontRef>
+        </p:style>
+        <p:txBody>
+          <a:bodyPr rtlCol="0" anchor="ctr"/>
+          <a:lstStyle/>
+          <a:p>
+            <a:pPr algn="ctr"/>
+            <a:endParaRPr lang="zh-CN" altLang="en-US"/>
+          </a:p>
+        </p:txBody>
+      </p:sp>
+      <p:sp>
+        <p:nvSpPr>
+          <p:cNvPr id="51" name="椭圆 50"/>
+          <p:cNvSpPr/>
+          <p:nvPr/>
+        </p:nvSpPr>
+        <p:spPr>
+          <a:xfrm>
+            <a:off x="8526780" y="2437769"/>
+            <a:ext cx="266700" cy="242054"/>
+          </a:xfrm>
+          <a:prstGeom prst="ellipse">
+            <a:avLst/>
+          </a:prstGeom>
+        </p:spPr>
+        <p:style>
+          <a:lnRef idx="2">
+            <a:schemeClr val="dk1"/>
+          </a:lnRef>
+          <a:fillRef idx="1">
+            <a:schemeClr val="lt1"/>
+          </a:fillRef>
+          <a:effectRef idx="0">
+            <a:schemeClr val="dk1"/>
+          </a:effectRef>
+          <a:fontRef idx="minor">
+            <a:schemeClr val="dk1"/>
+          </a:fontRef>
+        </p:style>
+        <p:txBody>
+          <a:bodyPr rtlCol="0" anchor="ctr"/>
+          <a:lstStyle/>
+          <a:p>
+            <a:pPr algn="ctr"/>
+            <a:endParaRPr lang="zh-CN" altLang="en-US"/>
+          </a:p>
+        </p:txBody>
+      </p:sp>
+      <p:sp>
+        <p:nvSpPr>
+          <p:cNvPr id="52" name="椭圆 51"/>
+          <p:cNvSpPr/>
+          <p:nvPr/>
+        </p:nvSpPr>
+        <p:spPr>
+          <a:xfrm>
+            <a:off x="8907780" y="2430149"/>
+            <a:ext cx="266700" cy="242054"/>
+          </a:xfrm>
+          <a:prstGeom prst="ellipse">
+            <a:avLst/>
+          </a:prstGeom>
+        </p:spPr>
+        <p:style>
+          <a:lnRef idx="2">
+            <a:schemeClr val="dk1"/>
+          </a:lnRef>
+          <a:fillRef idx="1">
+            <a:schemeClr val="lt1"/>
+          </a:fillRef>
+          <a:effectRef idx="0">
+            <a:schemeClr val="dk1"/>
+          </a:effectRef>
+          <a:fontRef idx="minor">
+            <a:schemeClr val="dk1"/>
+          </a:fontRef>
+        </p:style>
+        <p:txBody>
+          <a:bodyPr rtlCol="0" anchor="ctr"/>
+          <a:lstStyle/>
+          <a:p>
+            <a:pPr algn="ctr"/>
+            <a:endParaRPr lang="zh-CN" altLang="en-US"/>
+          </a:p>
+        </p:txBody>
+      </p:sp>
+      <p:sp>
+        <p:nvSpPr>
+          <p:cNvPr id="53" name="椭圆 52"/>
+          <p:cNvSpPr/>
+          <p:nvPr/>
+        </p:nvSpPr>
+        <p:spPr>
+          <a:xfrm>
+            <a:off x="9517380" y="2437400"/>
+            <a:ext cx="266700" cy="242054"/>
+          </a:xfrm>
+          <a:prstGeom prst="ellipse">
+            <a:avLst/>
+          </a:prstGeom>
+        </p:spPr>
+        <p:style>
+          <a:lnRef idx="2">
+            <a:schemeClr val="dk1"/>
+          </a:lnRef>
+          <a:fillRef idx="1">
+            <a:schemeClr val="lt1"/>
+          </a:fillRef>
+          <a:effectRef idx="0">
+            <a:schemeClr val="dk1"/>
+          </a:effectRef>
+          <a:fontRef idx="minor">
+            <a:schemeClr val="dk1"/>
+          </a:fontRef>
+        </p:style>
+        <p:txBody>
+          <a:bodyPr rtlCol="0" anchor="ctr"/>
+          <a:lstStyle/>
+          <a:p>
+            <a:pPr algn="ctr"/>
+            <a:endParaRPr lang="zh-CN" altLang="en-US"/>
+          </a:p>
+        </p:txBody>
+      </p:sp>
+      <p:sp>
+        <p:nvSpPr>
+          <p:cNvPr id="54" name="椭圆 53"/>
+          <p:cNvSpPr/>
+          <p:nvPr/>
+        </p:nvSpPr>
+        <p:spPr>
+          <a:xfrm>
+            <a:off x="9985757" y="2440817"/>
+            <a:ext cx="266700" cy="242054"/>
+          </a:xfrm>
+          <a:prstGeom prst="ellipse">
+            <a:avLst/>
+          </a:prstGeom>
+        </p:spPr>
+        <p:style>
+          <a:lnRef idx="2">
+            <a:schemeClr val="dk1"/>
+          </a:lnRef>
+          <a:fillRef idx="1">
+            <a:schemeClr val="lt1"/>
+          </a:fillRef>
+          <a:effectRef idx="0">
+            <a:schemeClr val="dk1"/>
+          </a:effectRef>
+          <a:fontRef idx="minor">
+            <a:schemeClr val="dk1"/>
+          </a:fontRef>
+        </p:style>
+        <p:txBody>
+          <a:bodyPr rtlCol="0" anchor="ctr"/>
+          <a:lstStyle/>
+          <a:p>
+            <a:pPr algn="ctr"/>
+            <a:endParaRPr lang="zh-CN" altLang="en-US"/>
+          </a:p>
+        </p:txBody>
+      </p:sp>
+      <p:sp>
+        <p:nvSpPr>
+          <p:cNvPr id="55" name="椭圆 54"/>
+          <p:cNvSpPr/>
+          <p:nvPr/>
+        </p:nvSpPr>
+        <p:spPr>
+          <a:xfrm>
+            <a:off x="10469880" y="2421636"/>
+            <a:ext cx="266700" cy="242054"/>
+          </a:xfrm>
+          <a:prstGeom prst="ellipse">
+            <a:avLst/>
+          </a:prstGeom>
+        </p:spPr>
+        <p:style>
+          <a:lnRef idx="2">
+            <a:schemeClr val="dk1"/>
+          </a:lnRef>
+          <a:fillRef idx="1">
+            <a:schemeClr val="lt1"/>
+          </a:fillRef>
+          <a:effectRef idx="0">
+            <a:schemeClr val="dk1"/>
+          </a:effectRef>
+          <a:fontRef idx="minor">
+            <a:schemeClr val="dk1"/>
+          </a:fontRef>
+        </p:style>
+        <p:txBody>
+          <a:bodyPr rtlCol="0" anchor="ctr"/>
+          <a:lstStyle/>
+          <a:p>
+            <a:pPr algn="ctr"/>
+            <a:endParaRPr lang="zh-CN" altLang="en-US"/>
+          </a:p>
+        </p:txBody>
+      </p:sp>
+      <p:sp>
+        <p:nvSpPr>
+          <p:cNvPr id="56" name="椭圆 55"/>
+          <p:cNvSpPr/>
+          <p:nvPr/>
+        </p:nvSpPr>
+        <p:spPr>
+          <a:xfrm>
+            <a:off x="10911840" y="2430149"/>
+            <a:ext cx="266700" cy="242054"/>
+          </a:xfrm>
+          <a:prstGeom prst="ellipse">
+            <a:avLst/>
+          </a:prstGeom>
+        </p:spPr>
+        <p:style>
+          <a:lnRef idx="2">
+            <a:schemeClr val="dk1"/>
+          </a:lnRef>
+          <a:fillRef idx="1">
+            <a:schemeClr val="lt1"/>
+          </a:fillRef>
+          <a:effectRef idx="0">
+            <a:schemeClr val="dk1"/>
+          </a:effectRef>
+          <a:fontRef idx="minor">
+            <a:schemeClr val="dk1"/>
+          </a:fontRef>
+        </p:style>
+        <p:txBody>
+          <a:bodyPr rtlCol="0" anchor="ctr"/>
+          <a:lstStyle/>
+          <a:p>
+            <a:pPr algn="ctr"/>
+            <a:endParaRPr lang="zh-CN" altLang="en-US"/>
+          </a:p>
+        </p:txBody>
+      </p:sp>
+      <p:sp>
+        <p:nvSpPr>
+          <p:cNvPr id="57" name="TextBox 56"/>
+          <p:cNvSpPr txBox="1"/>
+          <p:nvPr/>
+        </p:nvSpPr>
+        <p:spPr>
+          <a:xfrm>
+            <a:off x="11254740" y="2348222"/>
+            <a:ext cx="761747" cy="369332"/>
+          </a:xfrm>
+          <a:prstGeom prst="rect">
+            <a:avLst/>
+          </a:prstGeom>
+          <a:noFill/>
+        </p:spPr>
+        <p:txBody>
+          <a:bodyPr wrap="none" rtlCol="0">
+            <a:spAutoFit/>
+          </a:bodyPr>
+          <a:lstStyle/>
+          <a:p>
+            <a:r>
+              <a:rPr lang="zh-CN" altLang="en-US" dirty="0" smtClean="0"/>
+              <a:t>深度</a:t>
+            </a:r>
+            <a:r>
+              <a:rPr lang="en-US" altLang="zh-CN" dirty="0" smtClean="0"/>
+              <a:t>2</a:t>
+            </a:r>
+            <a:endParaRPr lang="zh-CN" altLang="en-US" dirty="0"/>
+          </a:p>
+        </p:txBody>
+      </p:sp>
+      <p:cxnSp>
+        <p:nvCxnSpPr>
+          <p:cNvPr id="13" name="直接箭头连接符 12"/>
+          <p:cNvCxnSpPr>
+            <a:stCxn id="10" idx="4"/>
+            <a:endCxn id="49" idx="0"/>
+          </p:cNvCxnSpPr>
+          <p:nvPr/>
+        </p:nvCxnSpPr>
+        <p:spPr>
+          <a:xfrm flipH="1">
+            <a:off x="7776210" y="1468874"/>
+            <a:ext cx="1379220" cy="974991"/>
+          </a:xfrm>
+          <a:prstGeom prst="straightConnector1">
+            <a:avLst/>
+          </a:prstGeom>
+          <a:ln>
+            <a:tailEnd type="arrow"/>
+          </a:ln>
+        </p:spPr>
+        <p:style>
+          <a:lnRef idx="1">
+            <a:schemeClr val="dk1"/>
+          </a:lnRef>
+          <a:fillRef idx="0">
+            <a:schemeClr val="dk1"/>
+          </a:fillRef>
+          <a:effectRef idx="0">
+            <a:schemeClr val="dk1"/>
+          </a:effectRef>
+          <a:fontRef idx="minor">
+            <a:schemeClr val="tx1"/>
+          </a:fontRef>
+        </p:style>
+      </p:cxnSp>
+      <p:cxnSp>
+        <p:nvCxnSpPr>
+          <p:cNvPr id="58" name="直接箭头连接符 57"/>
+          <p:cNvCxnSpPr>
+            <a:stCxn id="10" idx="4"/>
+            <a:endCxn id="50" idx="0"/>
+          </p:cNvCxnSpPr>
+          <p:nvPr/>
+        </p:nvCxnSpPr>
+        <p:spPr>
+          <a:xfrm flipH="1">
+            <a:off x="8233410" y="1468874"/>
+            <a:ext cx="922020" cy="974991"/>
+          </a:xfrm>
+          <a:prstGeom prst="straightConnector1">
+            <a:avLst/>
+          </a:prstGeom>
+          <a:ln>
+            <a:tailEnd type="arrow"/>
+          </a:ln>
+        </p:spPr>
+        <p:style>
+          <a:lnRef idx="1">
+            <a:schemeClr val="dk1"/>
+          </a:lnRef>
+          <a:fillRef idx="0">
+            <a:schemeClr val="dk1"/>
+          </a:fillRef>
+          <a:effectRef idx="0">
+            <a:schemeClr val="dk1"/>
+          </a:effectRef>
+          <a:fontRef idx="minor">
+            <a:schemeClr val="tx1"/>
+          </a:fontRef>
+        </p:style>
+      </p:cxnSp>
+      <p:cxnSp>
+        <p:nvCxnSpPr>
+          <p:cNvPr id="59" name="直接箭头连接符 58"/>
+          <p:cNvCxnSpPr>
+            <a:stCxn id="10" idx="4"/>
+            <a:endCxn id="51" idx="0"/>
+          </p:cNvCxnSpPr>
+          <p:nvPr/>
+        </p:nvCxnSpPr>
+        <p:spPr>
+          <a:xfrm flipH="1">
+            <a:off x="8660130" y="1468874"/>
+            <a:ext cx="495300" cy="968895"/>
+          </a:xfrm>
+          <a:prstGeom prst="straightConnector1">
+            <a:avLst/>
+          </a:prstGeom>
+          <a:ln>
+            <a:tailEnd type="arrow"/>
+          </a:ln>
+        </p:spPr>
+        <p:style>
+          <a:lnRef idx="1">
+            <a:schemeClr val="dk1"/>
+          </a:lnRef>
+          <a:fillRef idx="0">
+            <a:schemeClr val="dk1"/>
+          </a:fillRef>
+          <a:effectRef idx="0">
+            <a:schemeClr val="dk1"/>
+          </a:effectRef>
+          <a:fontRef idx="minor">
+            <a:schemeClr val="tx1"/>
+          </a:fontRef>
+        </p:style>
+      </p:cxnSp>
+      <p:cxnSp>
+        <p:nvCxnSpPr>
+          <p:cNvPr id="60" name="直接箭头连接符 59"/>
+          <p:cNvCxnSpPr>
+            <a:stCxn id="10" idx="4"/>
+            <a:endCxn id="52" idx="0"/>
+          </p:cNvCxnSpPr>
+          <p:nvPr/>
+        </p:nvCxnSpPr>
+        <p:spPr>
+          <a:xfrm flipH="1">
+            <a:off x="9041130" y="1468874"/>
+            <a:ext cx="114300" cy="961275"/>
+          </a:xfrm>
+          <a:prstGeom prst="straightConnector1">
+            <a:avLst/>
+          </a:prstGeom>
+          <a:ln>
+            <a:tailEnd type="arrow"/>
+          </a:ln>
+        </p:spPr>
+        <p:style>
+          <a:lnRef idx="1">
+            <a:schemeClr val="dk1"/>
+          </a:lnRef>
+          <a:fillRef idx="0">
+            <a:schemeClr val="dk1"/>
+          </a:fillRef>
+          <a:effectRef idx="0">
+            <a:schemeClr val="dk1"/>
+          </a:effectRef>
+          <a:fontRef idx="minor">
+            <a:schemeClr val="tx1"/>
+          </a:fontRef>
+        </p:style>
+      </p:cxnSp>
+      <p:cxnSp>
+        <p:nvCxnSpPr>
+          <p:cNvPr id="61" name="直接箭头连接符 60"/>
+          <p:cNvCxnSpPr>
+            <a:stCxn id="10" idx="4"/>
+            <a:endCxn id="53" idx="0"/>
+          </p:cNvCxnSpPr>
+          <p:nvPr/>
+        </p:nvCxnSpPr>
+        <p:spPr>
+          <a:xfrm>
+            <a:off x="9155430" y="1468874"/>
+            <a:ext cx="495300" cy="968526"/>
+          </a:xfrm>
+          <a:prstGeom prst="straightConnector1">
+            <a:avLst/>
+          </a:prstGeom>
+          <a:ln>
+            <a:tailEnd type="arrow"/>
+          </a:ln>
+        </p:spPr>
+        <p:style>
+          <a:lnRef idx="1">
+            <a:schemeClr val="dk1"/>
+          </a:lnRef>
+          <a:fillRef idx="0">
+            <a:schemeClr val="dk1"/>
+          </a:fillRef>
+          <a:effectRef idx="0">
+            <a:schemeClr val="dk1"/>
+          </a:effectRef>
+          <a:fontRef idx="minor">
+            <a:schemeClr val="tx1"/>
+          </a:fontRef>
+        </p:style>
+      </p:cxnSp>
+      <p:cxnSp>
+        <p:nvCxnSpPr>
+          <p:cNvPr id="63" name="直接箭头连接符 62"/>
+          <p:cNvCxnSpPr>
+            <a:stCxn id="10" idx="4"/>
+            <a:endCxn id="54" idx="0"/>
+          </p:cNvCxnSpPr>
+          <p:nvPr/>
+        </p:nvCxnSpPr>
+        <p:spPr>
+          <a:xfrm>
+            <a:off x="9155430" y="1468874"/>
+            <a:ext cx="963677" cy="971943"/>
+          </a:xfrm>
+          <a:prstGeom prst="straightConnector1">
+            <a:avLst/>
+          </a:prstGeom>
+          <a:ln>
+            <a:tailEnd type="arrow"/>
+          </a:ln>
+        </p:spPr>
+        <p:style>
+          <a:lnRef idx="1">
+            <a:schemeClr val="dk1"/>
+          </a:lnRef>
+          <a:fillRef idx="0">
+            <a:schemeClr val="dk1"/>
+          </a:fillRef>
+          <a:effectRef idx="0">
+            <a:schemeClr val="dk1"/>
+          </a:effectRef>
+          <a:fontRef idx="minor">
+            <a:schemeClr val="tx1"/>
+          </a:fontRef>
+        </p:style>
+      </p:cxnSp>
+      <p:cxnSp>
+        <p:nvCxnSpPr>
+          <p:cNvPr id="66" name="直接箭头连接符 65"/>
+          <p:cNvCxnSpPr>
+            <a:stCxn id="10" idx="4"/>
+            <a:endCxn id="55" idx="0"/>
+          </p:cNvCxnSpPr>
+          <p:nvPr/>
+        </p:nvCxnSpPr>
+        <p:spPr>
+          <a:xfrm>
+            <a:off x="9155430" y="1468874"/>
+            <a:ext cx="1447800" cy="952762"/>
+          </a:xfrm>
+          <a:prstGeom prst="straightConnector1">
+            <a:avLst/>
+          </a:prstGeom>
+          <a:ln>
+            <a:tailEnd type="arrow"/>
+          </a:ln>
+        </p:spPr>
+        <p:style>
+          <a:lnRef idx="1">
+            <a:schemeClr val="dk1"/>
+          </a:lnRef>
+          <a:fillRef idx="0">
+            <a:schemeClr val="dk1"/>
+          </a:fillRef>
+          <a:effectRef idx="0">
+            <a:schemeClr val="dk1"/>
+          </a:effectRef>
+          <a:fontRef idx="minor">
+            <a:schemeClr val="tx1"/>
+          </a:fontRef>
+        </p:style>
+      </p:cxnSp>
+      <p:cxnSp>
+        <p:nvCxnSpPr>
+          <p:cNvPr id="69" name="直接箭头连接符 68"/>
+          <p:cNvCxnSpPr>
+            <a:stCxn id="10" idx="4"/>
+            <a:endCxn id="56" idx="0"/>
+          </p:cNvCxnSpPr>
+          <p:nvPr/>
+        </p:nvCxnSpPr>
+        <p:spPr>
+          <a:xfrm>
+            <a:off x="9155430" y="1468874"/>
+            <a:ext cx="1889760" cy="961275"/>
+          </a:xfrm>
+          <a:prstGeom prst="straightConnector1">
+            <a:avLst/>
+          </a:prstGeom>
+          <a:ln>
+            <a:tailEnd type="arrow"/>
+          </a:ln>
+        </p:spPr>
+        <p:style>
+          <a:lnRef idx="1">
+            <a:schemeClr val="dk1"/>
+          </a:lnRef>
+          <a:fillRef idx="0">
+            <a:schemeClr val="dk1"/>
+          </a:fillRef>
+          <a:effectRef idx="0">
+            <a:schemeClr val="dk1"/>
+          </a:effectRef>
+          <a:fontRef idx="minor">
+            <a:schemeClr val="tx1"/>
+          </a:fontRef>
+        </p:style>
+      </p:cxnSp>
+      <p:sp>
+        <p:nvSpPr>
+          <p:cNvPr id="74" name="椭圆 73"/>
+          <p:cNvSpPr/>
+          <p:nvPr/>
+        </p:nvSpPr>
+        <p:spPr>
+          <a:xfrm>
+            <a:off x="7528560" y="3647194"/>
+            <a:ext cx="266700" cy="242054"/>
+          </a:xfrm>
+          <a:prstGeom prst="ellipse">
+            <a:avLst/>
+          </a:prstGeom>
+        </p:spPr>
+        <p:style>
+          <a:lnRef idx="2">
+            <a:schemeClr val="dk1"/>
+          </a:lnRef>
+          <a:fillRef idx="1">
+            <a:schemeClr val="lt1"/>
+          </a:fillRef>
+          <a:effectRef idx="0">
+            <a:schemeClr val="dk1"/>
+          </a:effectRef>
+          <a:fontRef idx="minor">
+            <a:schemeClr val="dk1"/>
+          </a:fontRef>
+        </p:style>
+        <p:txBody>
+          <a:bodyPr rtlCol="0" anchor="ctr"/>
+          <a:lstStyle/>
+          <a:p>
+            <a:pPr algn="ctr"/>
+            <a:endParaRPr lang="zh-CN" altLang="en-US"/>
+          </a:p>
+        </p:txBody>
+      </p:sp>
+      <p:sp>
+        <p:nvSpPr>
+          <p:cNvPr id="75" name="椭圆 74"/>
+          <p:cNvSpPr/>
+          <p:nvPr/>
+        </p:nvSpPr>
+        <p:spPr>
+          <a:xfrm>
+            <a:off x="7985760" y="3647194"/>
+            <a:ext cx="266700" cy="242054"/>
+          </a:xfrm>
+          <a:prstGeom prst="ellipse">
+            <a:avLst/>
+          </a:prstGeom>
+        </p:spPr>
+        <p:style>
+          <a:lnRef idx="2">
+            <a:schemeClr val="dk1"/>
+          </a:lnRef>
+          <a:fillRef idx="1">
+            <a:schemeClr val="lt1"/>
+          </a:fillRef>
+          <a:effectRef idx="0">
+            <a:schemeClr val="dk1"/>
+          </a:effectRef>
+          <a:fontRef idx="minor">
+            <a:schemeClr val="dk1"/>
+          </a:fontRef>
+        </p:style>
+        <p:txBody>
+          <a:bodyPr rtlCol="0" anchor="ctr"/>
+          <a:lstStyle/>
+          <a:p>
+            <a:pPr algn="ctr"/>
+            <a:endParaRPr lang="zh-CN" altLang="en-US"/>
+          </a:p>
+        </p:txBody>
+      </p:sp>
+      <p:sp>
+        <p:nvSpPr>
+          <p:cNvPr id="76" name="椭圆 75"/>
+          <p:cNvSpPr/>
+          <p:nvPr/>
+        </p:nvSpPr>
+        <p:spPr>
+          <a:xfrm>
+            <a:off x="8412480" y="3641098"/>
+            <a:ext cx="266700" cy="242054"/>
+          </a:xfrm>
+          <a:prstGeom prst="ellipse">
+            <a:avLst/>
+          </a:prstGeom>
+        </p:spPr>
+        <p:style>
+          <a:lnRef idx="2">
+            <a:schemeClr val="dk1"/>
+          </a:lnRef>
+          <a:fillRef idx="1">
+            <a:schemeClr val="lt1"/>
+          </a:fillRef>
+          <a:effectRef idx="0">
+            <a:schemeClr val="dk1"/>
+          </a:effectRef>
+          <a:fontRef idx="minor">
+            <a:schemeClr val="dk1"/>
+          </a:fontRef>
+        </p:style>
+        <p:txBody>
+          <a:bodyPr rtlCol="0" anchor="ctr"/>
+          <a:lstStyle/>
+          <a:p>
+            <a:pPr algn="ctr"/>
+            <a:endParaRPr lang="zh-CN" altLang="en-US"/>
+          </a:p>
+        </p:txBody>
+      </p:sp>
+      <p:sp>
+        <p:nvSpPr>
+          <p:cNvPr id="77" name="椭圆 76"/>
+          <p:cNvSpPr/>
+          <p:nvPr/>
+        </p:nvSpPr>
+        <p:spPr>
+          <a:xfrm>
+            <a:off x="8793480" y="3633478"/>
+            <a:ext cx="266700" cy="242054"/>
+          </a:xfrm>
+          <a:prstGeom prst="ellipse">
+            <a:avLst/>
+          </a:prstGeom>
+        </p:spPr>
+        <p:style>
+          <a:lnRef idx="2">
+            <a:schemeClr val="dk1"/>
+          </a:lnRef>
+          <a:fillRef idx="1">
+            <a:schemeClr val="lt1"/>
+          </a:fillRef>
+          <a:effectRef idx="0">
+            <a:schemeClr val="dk1"/>
+          </a:effectRef>
+          <a:fontRef idx="minor">
+            <a:schemeClr val="dk1"/>
+          </a:fontRef>
+        </p:style>
+        <p:txBody>
+          <a:bodyPr rtlCol="0" anchor="ctr"/>
+          <a:lstStyle/>
+          <a:p>
+            <a:pPr algn="ctr"/>
+            <a:endParaRPr lang="zh-CN" altLang="en-US"/>
+          </a:p>
+        </p:txBody>
+      </p:sp>
+      <p:sp>
+        <p:nvSpPr>
+          <p:cNvPr id="78" name="椭圆 77"/>
+          <p:cNvSpPr/>
+          <p:nvPr/>
+        </p:nvSpPr>
+        <p:spPr>
+          <a:xfrm>
+            <a:off x="9403080" y="3640729"/>
+            <a:ext cx="266700" cy="242054"/>
+          </a:xfrm>
+          <a:prstGeom prst="ellipse">
+            <a:avLst/>
+          </a:prstGeom>
+        </p:spPr>
+        <p:style>
+          <a:lnRef idx="2">
+            <a:schemeClr val="dk1"/>
+          </a:lnRef>
+          <a:fillRef idx="1">
+            <a:schemeClr val="lt1"/>
+          </a:fillRef>
+          <a:effectRef idx="0">
+            <a:schemeClr val="dk1"/>
+          </a:effectRef>
+          <a:fontRef idx="minor">
+            <a:schemeClr val="dk1"/>
+          </a:fontRef>
+        </p:style>
+        <p:txBody>
+          <a:bodyPr rtlCol="0" anchor="ctr"/>
+          <a:lstStyle/>
+          <a:p>
+            <a:pPr algn="ctr"/>
+            <a:endParaRPr lang="zh-CN" altLang="en-US"/>
+          </a:p>
+        </p:txBody>
+      </p:sp>
+      <p:sp>
+        <p:nvSpPr>
+          <p:cNvPr id="79" name="椭圆 78"/>
+          <p:cNvSpPr/>
+          <p:nvPr/>
+        </p:nvSpPr>
+        <p:spPr>
+          <a:xfrm>
+            <a:off x="9871457" y="3644146"/>
+            <a:ext cx="266700" cy="242054"/>
+          </a:xfrm>
+          <a:prstGeom prst="ellipse">
+            <a:avLst/>
+          </a:prstGeom>
+        </p:spPr>
+        <p:style>
+          <a:lnRef idx="2">
+            <a:schemeClr val="dk1"/>
+          </a:lnRef>
+          <a:fillRef idx="1">
+            <a:schemeClr val="lt1"/>
+          </a:fillRef>
+          <a:effectRef idx="0">
+            <a:schemeClr val="dk1"/>
+          </a:effectRef>
+          <a:fontRef idx="minor">
+            <a:schemeClr val="dk1"/>
+          </a:fontRef>
+        </p:style>
+        <p:txBody>
+          <a:bodyPr rtlCol="0" anchor="ctr"/>
+          <a:lstStyle/>
+          <a:p>
+            <a:pPr algn="ctr"/>
+            <a:endParaRPr lang="zh-CN" altLang="en-US"/>
+          </a:p>
+        </p:txBody>
+      </p:sp>
+      <p:sp>
+        <p:nvSpPr>
+          <p:cNvPr id="80" name="椭圆 79"/>
+          <p:cNvSpPr/>
+          <p:nvPr/>
+        </p:nvSpPr>
+        <p:spPr>
+          <a:xfrm>
+            <a:off x="10355580" y="3624965"/>
+            <a:ext cx="266700" cy="242054"/>
+          </a:xfrm>
+          <a:prstGeom prst="ellipse">
+            <a:avLst/>
+          </a:prstGeom>
+        </p:spPr>
+        <p:style>
+          <a:lnRef idx="2">
+            <a:schemeClr val="dk1"/>
+          </a:lnRef>
+          <a:fillRef idx="1">
+            <a:schemeClr val="lt1"/>
+          </a:fillRef>
+          <a:effectRef idx="0">
+            <a:schemeClr val="dk1"/>
+          </a:effectRef>
+          <a:fontRef idx="minor">
+            <a:schemeClr val="dk1"/>
+          </a:fontRef>
+        </p:style>
+        <p:txBody>
+          <a:bodyPr rtlCol="0" anchor="ctr"/>
+          <a:lstStyle/>
+          <a:p>
+            <a:pPr algn="ctr"/>
+            <a:endParaRPr lang="zh-CN" altLang="en-US"/>
+          </a:p>
+        </p:txBody>
+      </p:sp>
+      <p:sp>
+        <p:nvSpPr>
+          <p:cNvPr id="81" name="椭圆 80"/>
+          <p:cNvSpPr/>
+          <p:nvPr/>
+        </p:nvSpPr>
+        <p:spPr>
+          <a:xfrm>
+            <a:off x="10797540" y="3633478"/>
+            <a:ext cx="266700" cy="242054"/>
+          </a:xfrm>
+          <a:prstGeom prst="ellipse">
+            <a:avLst/>
+          </a:prstGeom>
+        </p:spPr>
+        <p:style>
+          <a:lnRef idx="2">
+            <a:schemeClr val="dk1"/>
+          </a:lnRef>
+          <a:fillRef idx="1">
+            <a:schemeClr val="lt1"/>
+          </a:fillRef>
+          <a:effectRef idx="0">
+            <a:schemeClr val="dk1"/>
+          </a:effectRef>
+          <a:fontRef idx="minor">
+            <a:schemeClr val="dk1"/>
+          </a:fontRef>
+        </p:style>
+        <p:txBody>
+          <a:bodyPr rtlCol="0" anchor="ctr"/>
+          <a:lstStyle/>
+          <a:p>
+            <a:pPr algn="ctr"/>
+            <a:endParaRPr lang="zh-CN" altLang="en-US"/>
+          </a:p>
+        </p:txBody>
+      </p:sp>
+      <p:cxnSp>
+        <p:nvCxnSpPr>
+          <p:cNvPr id="82" name="直接箭头连接符 81"/>
+          <p:cNvCxnSpPr>
+            <a:endCxn id="74" idx="0"/>
+          </p:cNvCxnSpPr>
+          <p:nvPr/>
+        </p:nvCxnSpPr>
+        <p:spPr>
+          <a:xfrm flipH="1">
+            <a:off x="7661910" y="2672203"/>
+            <a:ext cx="1379220" cy="974991"/>
+          </a:xfrm>
+          <a:prstGeom prst="straightConnector1">
+            <a:avLst/>
+          </a:prstGeom>
+          <a:ln>
+            <a:tailEnd type="arrow"/>
+          </a:ln>
+        </p:spPr>
+        <p:style>
+          <a:lnRef idx="1">
+            <a:schemeClr val="dk1"/>
+          </a:lnRef>
+          <a:fillRef idx="0">
+            <a:schemeClr val="dk1"/>
+          </a:fillRef>
+          <a:effectRef idx="0">
+            <a:schemeClr val="dk1"/>
+          </a:effectRef>
+          <a:fontRef idx="minor">
+            <a:schemeClr val="tx1"/>
+          </a:fontRef>
+        </p:style>
+      </p:cxnSp>
+      <p:cxnSp>
+        <p:nvCxnSpPr>
+          <p:cNvPr id="83" name="直接箭头连接符 82"/>
+          <p:cNvCxnSpPr>
+            <a:endCxn id="75" idx="0"/>
+          </p:cNvCxnSpPr>
+          <p:nvPr/>
+        </p:nvCxnSpPr>
+        <p:spPr>
+          <a:xfrm flipH="1">
+            <a:off x="8119110" y="2672203"/>
+            <a:ext cx="922020" cy="974991"/>
+          </a:xfrm>
+          <a:prstGeom prst="straightConnector1">
+            <a:avLst/>
+          </a:prstGeom>
+          <a:ln>
+            <a:tailEnd type="arrow"/>
+          </a:ln>
+        </p:spPr>
+        <p:style>
+          <a:lnRef idx="1">
+            <a:schemeClr val="dk1"/>
+          </a:lnRef>
+          <a:fillRef idx="0">
+            <a:schemeClr val="dk1"/>
+          </a:fillRef>
+          <a:effectRef idx="0">
+            <a:schemeClr val="dk1"/>
+          </a:effectRef>
+          <a:fontRef idx="minor">
+            <a:schemeClr val="tx1"/>
+          </a:fontRef>
+        </p:style>
+      </p:cxnSp>
+      <p:cxnSp>
+        <p:nvCxnSpPr>
+          <p:cNvPr id="84" name="直接箭头连接符 83"/>
+          <p:cNvCxnSpPr>
+            <a:endCxn id="76" idx="0"/>
+          </p:cNvCxnSpPr>
+          <p:nvPr/>
+        </p:nvCxnSpPr>
+        <p:spPr>
+          <a:xfrm flipH="1">
+            <a:off x="8545830" y="2672203"/>
+            <a:ext cx="495300" cy="968895"/>
+          </a:xfrm>
+          <a:prstGeom prst="straightConnector1">
+            <a:avLst/>
+          </a:prstGeom>
+          <a:ln>
+            <a:tailEnd type="arrow"/>
+          </a:ln>
+        </p:spPr>
+        <p:style>
+          <a:lnRef idx="1">
+            <a:schemeClr val="dk1"/>
+          </a:lnRef>
+          <a:fillRef idx="0">
+            <a:schemeClr val="dk1"/>
+          </a:fillRef>
+          <a:effectRef idx="0">
+            <a:schemeClr val="dk1"/>
+          </a:effectRef>
+          <a:fontRef idx="minor">
+            <a:schemeClr val="tx1"/>
+          </a:fontRef>
+        </p:style>
+      </p:cxnSp>
+      <p:cxnSp>
+        <p:nvCxnSpPr>
+          <p:cNvPr id="85" name="直接箭头连接符 84"/>
+          <p:cNvCxnSpPr>
+            <a:endCxn id="77" idx="0"/>
+          </p:cNvCxnSpPr>
+          <p:nvPr/>
+        </p:nvCxnSpPr>
+        <p:spPr>
+          <a:xfrm flipH="1">
+            <a:off x="8926830" y="2672203"/>
+            <a:ext cx="114300" cy="961275"/>
+          </a:xfrm>
+          <a:prstGeom prst="straightConnector1">
+            <a:avLst/>
+          </a:prstGeom>
+          <a:ln>
+            <a:tailEnd type="arrow"/>
+          </a:ln>
+        </p:spPr>
+        <p:style>
+          <a:lnRef idx="1">
+            <a:schemeClr val="dk1"/>
+          </a:lnRef>
+          <a:fillRef idx="0">
+            <a:schemeClr val="dk1"/>
+          </a:fillRef>
+          <a:effectRef idx="0">
+            <a:schemeClr val="dk1"/>
+          </a:effectRef>
+          <a:fontRef idx="minor">
+            <a:schemeClr val="tx1"/>
+          </a:fontRef>
+        </p:style>
+      </p:cxnSp>
+      <p:cxnSp>
+        <p:nvCxnSpPr>
+          <p:cNvPr id="86" name="直接箭头连接符 85"/>
+          <p:cNvCxnSpPr>
+            <a:endCxn id="78" idx="0"/>
+          </p:cNvCxnSpPr>
+          <p:nvPr/>
+        </p:nvCxnSpPr>
+        <p:spPr>
+          <a:xfrm>
+            <a:off x="9041130" y="2672203"/>
+            <a:ext cx="495300" cy="968526"/>
+          </a:xfrm>
+          <a:prstGeom prst="straightConnector1">
+            <a:avLst/>
+          </a:prstGeom>
+          <a:ln>
+            <a:tailEnd type="arrow"/>
+          </a:ln>
+        </p:spPr>
+        <p:style>
+          <a:lnRef idx="1">
+            <a:schemeClr val="dk1"/>
+          </a:lnRef>
+          <a:fillRef idx="0">
+            <a:schemeClr val="dk1"/>
+          </a:fillRef>
+          <a:effectRef idx="0">
+            <a:schemeClr val="dk1"/>
+          </a:effectRef>
+          <a:fontRef idx="minor">
+            <a:schemeClr val="tx1"/>
+          </a:fontRef>
+        </p:style>
+      </p:cxnSp>
+      <p:cxnSp>
+        <p:nvCxnSpPr>
+          <p:cNvPr id="87" name="直接箭头连接符 86"/>
+          <p:cNvCxnSpPr>
+            <a:endCxn id="79" idx="0"/>
+          </p:cNvCxnSpPr>
+          <p:nvPr/>
+        </p:nvCxnSpPr>
+        <p:spPr>
+          <a:xfrm>
+            <a:off x="9041130" y="2672203"/>
+            <a:ext cx="963677" cy="971943"/>
+          </a:xfrm>
+          <a:prstGeom prst="straightConnector1">
+            <a:avLst/>
+          </a:prstGeom>
+          <a:ln>
+            <a:tailEnd type="arrow"/>
+          </a:ln>
+        </p:spPr>
+        <p:style>
+          <a:lnRef idx="1">
+            <a:schemeClr val="dk1"/>
+          </a:lnRef>
+          <a:fillRef idx="0">
+            <a:schemeClr val="dk1"/>
+          </a:fillRef>
+          <a:effectRef idx="0">
+            <a:schemeClr val="dk1"/>
+          </a:effectRef>
+          <a:fontRef idx="minor">
+            <a:schemeClr val="tx1"/>
+          </a:fontRef>
+        </p:style>
+      </p:cxnSp>
+      <p:cxnSp>
+        <p:nvCxnSpPr>
+          <p:cNvPr id="88" name="直接箭头连接符 87"/>
+          <p:cNvCxnSpPr>
+            <a:endCxn id="80" idx="0"/>
+          </p:cNvCxnSpPr>
+          <p:nvPr/>
+        </p:nvCxnSpPr>
+        <p:spPr>
+          <a:xfrm>
+            <a:off x="9041130" y="2672203"/>
+            <a:ext cx="1447800" cy="952762"/>
+          </a:xfrm>
+          <a:prstGeom prst="straightConnector1">
+            <a:avLst/>
+          </a:prstGeom>
+          <a:ln>
+            <a:tailEnd type="arrow"/>
+          </a:ln>
+        </p:spPr>
+        <p:style>
+          <a:lnRef idx="1">
+            <a:schemeClr val="dk1"/>
+          </a:lnRef>
+          <a:fillRef idx="0">
+            <a:schemeClr val="dk1"/>
+          </a:fillRef>
+          <a:effectRef idx="0">
+            <a:schemeClr val="dk1"/>
+          </a:effectRef>
+          <a:fontRef idx="minor">
+            <a:schemeClr val="tx1"/>
+          </a:fontRef>
+        </p:style>
+      </p:cxnSp>
+      <p:cxnSp>
+        <p:nvCxnSpPr>
+          <p:cNvPr id="89" name="直接箭头连接符 88"/>
+          <p:cNvCxnSpPr>
+            <a:endCxn id="81" idx="0"/>
+          </p:cNvCxnSpPr>
+          <p:nvPr/>
+        </p:nvCxnSpPr>
+        <p:spPr>
+          <a:xfrm>
+            <a:off x="9041130" y="2672203"/>
+            <a:ext cx="1889760" cy="961275"/>
+          </a:xfrm>
+          <a:prstGeom prst="straightConnector1">
+            <a:avLst/>
+          </a:prstGeom>
+          <a:ln>
+            <a:tailEnd type="arrow"/>
+          </a:ln>
+        </p:spPr>
+        <p:style>
+          <a:lnRef idx="1">
+            <a:schemeClr val="dk1"/>
+          </a:lnRef>
+          <a:fillRef idx="0">
+            <a:schemeClr val="dk1"/>
+          </a:fillRef>
+          <a:effectRef idx="0">
+            <a:schemeClr val="dk1"/>
+          </a:effectRef>
+          <a:fontRef idx="minor">
+            <a:schemeClr val="tx1"/>
+          </a:fontRef>
+        </p:style>
+      </p:cxnSp>
+      <p:sp>
+        <p:nvSpPr>
+          <p:cNvPr id="90" name="TextBox 89"/>
+          <p:cNvSpPr txBox="1"/>
+          <p:nvPr/>
+        </p:nvSpPr>
+        <p:spPr>
+          <a:xfrm>
+            <a:off x="11254740" y="3499211"/>
+            <a:ext cx="761747" cy="369332"/>
+          </a:xfrm>
+          <a:prstGeom prst="rect">
+            <a:avLst/>
+          </a:prstGeom>
+          <a:noFill/>
+        </p:spPr>
+        <p:txBody>
+          <a:bodyPr wrap="none" rtlCol="0">
+            <a:spAutoFit/>
+          </a:bodyPr>
+          <a:lstStyle/>
+          <a:p>
+            <a:r>
+              <a:rPr lang="zh-CN" altLang="en-US" dirty="0" smtClean="0"/>
+              <a:t>深度</a:t>
+            </a:r>
+            <a:r>
+              <a:rPr lang="en-US" altLang="zh-CN" dirty="0" smtClean="0"/>
+              <a:t>3</a:t>
+            </a:r>
+            <a:endParaRPr lang="zh-CN" altLang="en-US" dirty="0"/>
+          </a:p>
+        </p:txBody>
+      </p:sp>
+      <p:sp>
+        <p:nvSpPr>
+          <p:cNvPr id="91" name="TextBox 90"/>
+          <p:cNvSpPr txBox="1"/>
+          <p:nvPr/>
+        </p:nvSpPr>
+        <p:spPr>
+          <a:xfrm>
+            <a:off x="2839609" y="3952994"/>
+            <a:ext cx="300082" cy="369332"/>
+          </a:xfrm>
+          <a:prstGeom prst="rect">
+            <a:avLst/>
+          </a:prstGeom>
+          <a:noFill/>
+        </p:spPr>
+        <p:txBody>
+          <a:bodyPr wrap="none" rtlCol="0">
+            <a:spAutoFit/>
+          </a:bodyPr>
+          <a:lstStyle/>
+          <a:p>
+            <a:r>
+              <a:rPr lang="en-US" altLang="zh-CN" dirty="0" smtClean="0"/>
+              <a:t>4</a:t>
+            </a:r>
+            <a:endParaRPr lang="zh-CN" altLang="en-US" dirty="0"/>
+          </a:p>
+        </p:txBody>
+      </p:sp>
+      <p:sp>
+        <p:nvSpPr>
+          <p:cNvPr id="92" name="TextBox 91"/>
+          <p:cNvSpPr txBox="1"/>
+          <p:nvPr/>
+        </p:nvSpPr>
+        <p:spPr>
+          <a:xfrm>
+            <a:off x="3817583" y="3949422"/>
+            <a:ext cx="300082" cy="369332"/>
+          </a:xfrm>
+          <a:prstGeom prst="rect">
+            <a:avLst/>
+          </a:prstGeom>
+          <a:noFill/>
+        </p:spPr>
+        <p:txBody>
+          <a:bodyPr wrap="none" rtlCol="0">
+            <a:spAutoFit/>
+          </a:bodyPr>
+          <a:lstStyle/>
+          <a:p>
+            <a:r>
+              <a:rPr lang="en-US" altLang="zh-CN" dirty="0" smtClean="0"/>
+              <a:t>5</a:t>
+            </a:r>
+            <a:endParaRPr lang="zh-CN" altLang="en-US" dirty="0"/>
+          </a:p>
+        </p:txBody>
+      </p:sp>
+      <p:sp>
+        <p:nvSpPr>
+          <p:cNvPr id="93" name="TextBox 92"/>
+          <p:cNvSpPr txBox="1"/>
+          <p:nvPr/>
+        </p:nvSpPr>
+        <p:spPr>
+          <a:xfrm>
+            <a:off x="5984456" y="3754505"/>
+            <a:ext cx="300082" cy="369332"/>
+          </a:xfrm>
+          <a:prstGeom prst="rect">
+            <a:avLst/>
+          </a:prstGeom>
+          <a:noFill/>
+        </p:spPr>
+        <p:txBody>
+          <a:bodyPr wrap="none" rtlCol="0">
+            <a:spAutoFit/>
+          </a:bodyPr>
+          <a:lstStyle/>
+          <a:p>
+            <a:r>
+              <a:rPr lang="en-US" altLang="zh-CN" b="1" dirty="0" smtClean="0"/>
+              <a:t>X</a:t>
+            </a:r>
+            <a:endParaRPr lang="zh-CN" altLang="en-US" b="1" dirty="0"/>
+          </a:p>
+        </p:txBody>
+      </p:sp>
+      <p:sp>
+        <p:nvSpPr>
+          <p:cNvPr id="94" name="TextBox 93"/>
+          <p:cNvSpPr txBox="1"/>
+          <p:nvPr/>
+        </p:nvSpPr>
+        <p:spPr>
+          <a:xfrm>
+            <a:off x="1841900" y="5217652"/>
+            <a:ext cx="300082" cy="369332"/>
+          </a:xfrm>
+          <a:prstGeom prst="rect">
+            <a:avLst/>
+          </a:prstGeom>
+          <a:noFill/>
+        </p:spPr>
+        <p:txBody>
+          <a:bodyPr wrap="none" rtlCol="0">
+            <a:spAutoFit/>
+          </a:bodyPr>
+          <a:lstStyle/>
+          <a:p>
+            <a:r>
+              <a:rPr lang="en-US" altLang="zh-CN" b="1" dirty="0"/>
+              <a:t>Y</a:t>
+            </a:r>
+            <a:endParaRPr lang="zh-CN" altLang="en-US" b="1" dirty="0"/>
+          </a:p>
+        </p:txBody>
+      </p:sp>
+      <p:sp>
+        <p:nvSpPr>
+          <p:cNvPr id="95" name="TextBox 94"/>
+          <p:cNvSpPr txBox="1"/>
+          <p:nvPr/>
+        </p:nvSpPr>
+        <p:spPr>
+          <a:xfrm>
+            <a:off x="3159398" y="857488"/>
+            <a:ext cx="300082" cy="369332"/>
+          </a:xfrm>
+          <a:prstGeom prst="rect">
+            <a:avLst/>
+          </a:prstGeom>
+          <a:noFill/>
+        </p:spPr>
+        <p:txBody>
+          <a:bodyPr wrap="none" rtlCol="0">
+            <a:spAutoFit/>
+          </a:bodyPr>
+          <a:lstStyle/>
+          <a:p>
+            <a:r>
+              <a:rPr lang="en-US" altLang="zh-CN" b="1" dirty="0" smtClean="0"/>
+              <a:t>Z</a:t>
+            </a:r>
+            <a:endParaRPr lang="zh-CN" altLang="en-US" b="1" dirty="0"/>
+          </a:p>
+        </p:txBody>
+      </p:sp>
+    </p:spTree>
+    <p:extLst>
+      <p:ext uri="{BB962C8B-B14F-4D97-AF65-F5344CB8AC3E}">
+        <p14:creationId xmlns:p14="http://schemas.microsoft.com/office/powerpoint/2010/main" val="2351154859"/>
+      </p:ext>
+    </p:extLst>
+  </p:cSld>
+  <p:clrMapOvr>
+    <a:masterClrMapping/>
+  </p:clrMapOvr>
+</p:sld>
+</file>
+
+<file path=ppt/slides/slide5.xml><?xml version="1.0" encoding="utf-8"?>
+<p:sld xmlns:a="http://schemas.openxmlformats.org/drawingml/2006/main" xmlns:r="http://schemas.openxmlformats.org/officeDocument/2006/relationships" xmlns:p="http://schemas.openxmlformats.org/presentationml/2006/main">
+  <p:cSld>
+    <p:spTree>
+      <p:nvGrpSpPr>
+        <p:cNvPr id="1" name=""/>
+        <p:cNvGrpSpPr/>
+        <p:nvPr/>
+      </p:nvGrpSpPr>
+      <p:grpSpPr>
+        <a:xfrm>
+          <a:off x="0" y="0"/>
+          <a:ext cx="0" cy="0"/>
+          <a:chOff x="0" y="0"/>
+          <a:chExt cx="0" cy="0"/>
+        </a:xfrm>
+      </p:grpSpPr>
+      <p:sp>
+        <p:nvSpPr>
+          <p:cNvPr id="4" name="矩形 3"/>
+          <p:cNvSpPr/>
+          <p:nvPr/>
+        </p:nvSpPr>
+        <p:spPr>
+          <a:xfrm>
+            <a:off x="1740408" y="879348"/>
+            <a:ext cx="6573012" cy="621792"/>
+          </a:xfrm>
+          <a:prstGeom prst="rect">
+            <a:avLst/>
+          </a:prstGeom>
+        </p:spPr>
+        <p:style>
+          <a:lnRef idx="2">
+            <a:schemeClr val="dk1"/>
+          </a:lnRef>
+          <a:fillRef idx="1">
+            <a:schemeClr val="lt1"/>
+          </a:fillRef>
+          <a:effectRef idx="0">
+            <a:schemeClr val="dk1"/>
+          </a:effectRef>
+          <a:fontRef idx="minor">
+            <a:schemeClr val="dk1"/>
+          </a:fontRef>
+        </p:style>
+        <p:txBody>
+          <a:bodyPr rtlCol="0" anchor="ctr"/>
+          <a:lstStyle/>
+          <a:p>
+            <a:pPr algn="ctr"/>
+            <a:r>
+              <a:rPr lang="en-US" altLang="zh-CN" dirty="0" err="1" smtClean="0"/>
+              <a:t>TeraVR</a:t>
+            </a:r>
+            <a:r>
+              <a:rPr lang="en-US" altLang="zh-CN" dirty="0" smtClean="0"/>
+              <a:t> </a:t>
+            </a:r>
+            <a:r>
+              <a:rPr lang="zh-CN" altLang="en-US" dirty="0" smtClean="0"/>
+              <a:t>用户</a:t>
+            </a:r>
+            <a:endParaRPr lang="zh-CN" altLang="en-US" dirty="0"/>
+          </a:p>
+        </p:txBody>
+      </p:sp>
+      <p:cxnSp>
+        <p:nvCxnSpPr>
+          <p:cNvPr id="5" name="直接箭头连接符 4"/>
+          <p:cNvCxnSpPr/>
+          <p:nvPr/>
+        </p:nvCxnSpPr>
+        <p:spPr>
+          <a:xfrm>
+            <a:off x="4552188" y="1501140"/>
+            <a:ext cx="0" cy="723900"/>
+          </a:xfrm>
+          <a:prstGeom prst="straightConnector1">
+            <a:avLst/>
+          </a:prstGeom>
+          <a:ln>
+            <a:tailEnd type="arrow"/>
+          </a:ln>
+        </p:spPr>
+        <p:style>
+          <a:lnRef idx="3">
+            <a:schemeClr val="dk1"/>
+          </a:lnRef>
+          <a:fillRef idx="0">
+            <a:schemeClr val="dk1"/>
+          </a:fillRef>
+          <a:effectRef idx="2">
+            <a:schemeClr val="dk1"/>
+          </a:effectRef>
+          <a:fontRef idx="minor">
+            <a:schemeClr val="tx1"/>
+          </a:fontRef>
+        </p:style>
+      </p:cxnSp>
+      <p:sp>
+        <p:nvSpPr>
+          <p:cNvPr id="6" name="矩形 5"/>
+          <p:cNvSpPr/>
+          <p:nvPr/>
+        </p:nvSpPr>
+        <p:spPr>
+          <a:xfrm>
+            <a:off x="1740408" y="2225040"/>
+            <a:ext cx="6573012" cy="647700"/>
+          </a:xfrm>
+          <a:prstGeom prst="rect">
+            <a:avLst/>
+          </a:prstGeom>
+        </p:spPr>
+        <p:style>
+          <a:lnRef idx="2">
+            <a:schemeClr val="dk1"/>
+          </a:lnRef>
+          <a:fillRef idx="1">
+            <a:schemeClr val="lt1"/>
+          </a:fillRef>
+          <a:effectRef idx="0">
+            <a:schemeClr val="dk1"/>
+          </a:effectRef>
+          <a:fontRef idx="minor">
+            <a:schemeClr val="dk1"/>
+          </a:fontRef>
+        </p:style>
+        <p:txBody>
+          <a:bodyPr rtlCol="0" anchor="ctr"/>
+          <a:lstStyle/>
+          <a:p>
+            <a:pPr algn="ctr"/>
+            <a:r>
+              <a:rPr lang="zh-CN" altLang="en-US" dirty="0" smtClean="0"/>
+              <a:t>用户交互层（主要负责用户输入和数据显示）</a:t>
+            </a:r>
+            <a:endParaRPr lang="zh-CN" altLang="en-US" dirty="0"/>
+          </a:p>
+        </p:txBody>
+      </p:sp>
+      <p:cxnSp>
+        <p:nvCxnSpPr>
+          <p:cNvPr id="8" name="直接箭头连接符 7"/>
+          <p:cNvCxnSpPr/>
+          <p:nvPr/>
+        </p:nvCxnSpPr>
+        <p:spPr>
+          <a:xfrm flipV="1">
+            <a:off x="4838700" y="1501140"/>
+            <a:ext cx="0" cy="723900"/>
+          </a:xfrm>
+          <a:prstGeom prst="straightConnector1">
+            <a:avLst/>
+          </a:prstGeom>
+          <a:ln>
+            <a:tailEnd type="arrow"/>
+          </a:ln>
+        </p:spPr>
+        <p:style>
+          <a:lnRef idx="3">
+            <a:schemeClr val="dk1"/>
+          </a:lnRef>
+          <a:fillRef idx="0">
+            <a:schemeClr val="dk1"/>
+          </a:fillRef>
+          <a:effectRef idx="2">
+            <a:schemeClr val="dk1"/>
+          </a:effectRef>
+          <a:fontRef idx="minor">
+            <a:schemeClr val="tx1"/>
+          </a:fontRef>
+        </p:style>
+      </p:cxnSp>
+      <p:sp>
+        <p:nvSpPr>
+          <p:cNvPr id="11" name="TextBox 10"/>
+          <p:cNvSpPr txBox="1"/>
+          <p:nvPr/>
+        </p:nvSpPr>
+        <p:spPr>
+          <a:xfrm>
+            <a:off x="4072128" y="1578708"/>
+            <a:ext cx="480060" cy="646331"/>
+          </a:xfrm>
+          <a:prstGeom prst="rect">
+            <a:avLst/>
+          </a:prstGeom>
+          <a:noFill/>
+        </p:spPr>
+        <p:txBody>
+          <a:bodyPr wrap="square" rtlCol="0">
+            <a:spAutoFit/>
+          </a:bodyPr>
+          <a:lstStyle/>
+          <a:p>
+            <a:r>
+              <a:rPr lang="zh-CN" altLang="en-US" dirty="0" smtClean="0"/>
+              <a:t>输入</a:t>
+            </a:r>
+            <a:endParaRPr lang="zh-CN" altLang="en-US" dirty="0"/>
+          </a:p>
+        </p:txBody>
+      </p:sp>
+      <p:sp>
+        <p:nvSpPr>
+          <p:cNvPr id="12" name="TextBox 11"/>
+          <p:cNvSpPr txBox="1"/>
+          <p:nvPr/>
+        </p:nvSpPr>
+        <p:spPr>
+          <a:xfrm>
+            <a:off x="4889754" y="1578709"/>
+            <a:ext cx="480060" cy="646331"/>
+          </a:xfrm>
+          <a:prstGeom prst="rect">
+            <a:avLst/>
+          </a:prstGeom>
+          <a:noFill/>
+        </p:spPr>
+        <p:txBody>
+          <a:bodyPr wrap="square" rtlCol="0">
+            <a:spAutoFit/>
+          </a:bodyPr>
+          <a:lstStyle/>
+          <a:p>
+            <a:r>
+              <a:rPr lang="zh-CN" altLang="en-US" dirty="0" smtClean="0"/>
+              <a:t>显示</a:t>
+            </a:r>
+            <a:endParaRPr lang="zh-CN" altLang="en-US" dirty="0"/>
+          </a:p>
+        </p:txBody>
+      </p:sp>
+      <p:cxnSp>
+        <p:nvCxnSpPr>
+          <p:cNvPr id="18" name="直接箭头连接符 17"/>
+          <p:cNvCxnSpPr/>
+          <p:nvPr/>
+        </p:nvCxnSpPr>
+        <p:spPr>
+          <a:xfrm>
+            <a:off x="4564380" y="2853767"/>
+            <a:ext cx="0" cy="812369"/>
+          </a:xfrm>
+          <a:prstGeom prst="straightConnector1">
+            <a:avLst/>
+          </a:prstGeom>
+          <a:ln>
+            <a:tailEnd type="arrow"/>
+          </a:ln>
+        </p:spPr>
+        <p:style>
+          <a:lnRef idx="3">
+            <a:schemeClr val="dk1"/>
+          </a:lnRef>
+          <a:fillRef idx="0">
+            <a:schemeClr val="dk1"/>
+          </a:fillRef>
+          <a:effectRef idx="2">
+            <a:schemeClr val="dk1"/>
+          </a:effectRef>
+          <a:fontRef idx="minor">
+            <a:schemeClr val="tx1"/>
+          </a:fontRef>
+        </p:style>
+      </p:cxnSp>
+      <p:sp>
+        <p:nvSpPr>
+          <p:cNvPr id="19" name="矩形 18"/>
+          <p:cNvSpPr/>
+          <p:nvPr/>
+        </p:nvSpPr>
+        <p:spPr>
+          <a:xfrm>
+            <a:off x="1740408" y="3666136"/>
+            <a:ext cx="6573012" cy="680466"/>
+          </a:xfrm>
+          <a:prstGeom prst="rect">
+            <a:avLst/>
+          </a:prstGeom>
+        </p:spPr>
+        <p:style>
+          <a:lnRef idx="2">
+            <a:schemeClr val="dk1"/>
+          </a:lnRef>
+          <a:fillRef idx="1">
+            <a:schemeClr val="lt1"/>
+          </a:fillRef>
+          <a:effectRef idx="0">
+            <a:schemeClr val="dk1"/>
+          </a:effectRef>
+          <a:fontRef idx="minor">
+            <a:schemeClr val="dk1"/>
+          </a:fontRef>
+        </p:style>
+        <p:txBody>
+          <a:bodyPr rtlCol="0" anchor="ctr"/>
+          <a:lstStyle/>
+          <a:p>
+            <a:pPr algn="ctr"/>
+            <a:r>
+              <a:rPr lang="zh-CN" altLang="en-US" dirty="0" smtClean="0"/>
+              <a:t>逻辑处理层（主要负责上层交互相应和下层数据交互）</a:t>
+            </a:r>
+            <a:endParaRPr lang="zh-CN" altLang="en-US" dirty="0"/>
+          </a:p>
+        </p:txBody>
+      </p:sp>
+      <p:cxnSp>
+        <p:nvCxnSpPr>
+          <p:cNvPr id="20" name="直接箭头连接符 19"/>
+          <p:cNvCxnSpPr/>
+          <p:nvPr/>
+        </p:nvCxnSpPr>
+        <p:spPr>
+          <a:xfrm flipV="1">
+            <a:off x="4889754" y="2853767"/>
+            <a:ext cx="0" cy="795606"/>
+          </a:xfrm>
+          <a:prstGeom prst="straightConnector1">
+            <a:avLst/>
+          </a:prstGeom>
+          <a:ln>
+            <a:tailEnd type="arrow"/>
+          </a:ln>
+        </p:spPr>
+        <p:style>
+          <a:lnRef idx="3">
+            <a:schemeClr val="dk1"/>
+          </a:lnRef>
+          <a:fillRef idx="0">
+            <a:schemeClr val="dk1"/>
+          </a:fillRef>
+          <a:effectRef idx="2">
+            <a:schemeClr val="dk1"/>
+          </a:effectRef>
+          <a:fontRef idx="minor">
+            <a:schemeClr val="tx1"/>
+          </a:fontRef>
+        </p:style>
+      </p:cxnSp>
+      <p:sp>
+        <p:nvSpPr>
+          <p:cNvPr id="21" name="TextBox 20"/>
+          <p:cNvSpPr txBox="1"/>
+          <p:nvPr/>
+        </p:nvSpPr>
+        <p:spPr>
+          <a:xfrm>
+            <a:off x="4059174" y="3003042"/>
+            <a:ext cx="480060" cy="646331"/>
+          </a:xfrm>
+          <a:prstGeom prst="rect">
+            <a:avLst/>
+          </a:prstGeom>
+          <a:noFill/>
+        </p:spPr>
+        <p:txBody>
+          <a:bodyPr wrap="square" rtlCol="0">
+            <a:spAutoFit/>
+          </a:bodyPr>
+          <a:lstStyle/>
+          <a:p>
+            <a:r>
+              <a:rPr lang="zh-CN" altLang="en-US" dirty="0"/>
+              <a:t>交互</a:t>
+            </a:r>
+          </a:p>
+        </p:txBody>
+      </p:sp>
+      <p:sp>
+        <p:nvSpPr>
+          <p:cNvPr id="22" name="TextBox 21"/>
+          <p:cNvSpPr txBox="1"/>
+          <p:nvPr/>
+        </p:nvSpPr>
+        <p:spPr>
+          <a:xfrm>
+            <a:off x="4940808" y="3019805"/>
+            <a:ext cx="480060" cy="646331"/>
+          </a:xfrm>
+          <a:prstGeom prst="rect">
+            <a:avLst/>
+          </a:prstGeom>
+          <a:noFill/>
+        </p:spPr>
+        <p:txBody>
+          <a:bodyPr wrap="square" rtlCol="0">
+            <a:spAutoFit/>
+          </a:bodyPr>
+          <a:lstStyle/>
+          <a:p>
+            <a:r>
+              <a:rPr lang="zh-CN" altLang="en-US" dirty="0" smtClean="0"/>
+              <a:t>显示</a:t>
+            </a:r>
+            <a:endParaRPr lang="zh-CN" altLang="en-US" dirty="0"/>
+          </a:p>
+        </p:txBody>
+      </p:sp>
+      <p:cxnSp>
+        <p:nvCxnSpPr>
+          <p:cNvPr id="29" name="直接箭头连接符 28"/>
+          <p:cNvCxnSpPr/>
+          <p:nvPr/>
+        </p:nvCxnSpPr>
+        <p:spPr>
+          <a:xfrm>
+            <a:off x="4564380" y="4354907"/>
+            <a:ext cx="0" cy="812369"/>
+          </a:xfrm>
+          <a:prstGeom prst="straightConnector1">
+            <a:avLst/>
+          </a:prstGeom>
+          <a:ln>
+            <a:tailEnd type="arrow"/>
+          </a:ln>
+        </p:spPr>
+        <p:style>
+          <a:lnRef idx="3">
+            <a:schemeClr val="dk1"/>
+          </a:lnRef>
+          <a:fillRef idx="0">
+            <a:schemeClr val="dk1"/>
+          </a:fillRef>
+          <a:effectRef idx="2">
+            <a:schemeClr val="dk1"/>
+          </a:effectRef>
+          <a:fontRef idx="minor">
+            <a:schemeClr val="tx1"/>
+          </a:fontRef>
+        </p:style>
+      </p:cxnSp>
+      <p:sp>
+        <p:nvSpPr>
+          <p:cNvPr id="30" name="矩形 29"/>
+          <p:cNvSpPr/>
+          <p:nvPr/>
+        </p:nvSpPr>
+        <p:spPr>
+          <a:xfrm>
+            <a:off x="1740408" y="5167276"/>
+            <a:ext cx="6573012" cy="680466"/>
+          </a:xfrm>
+          <a:prstGeom prst="rect">
+            <a:avLst/>
+          </a:prstGeom>
+        </p:spPr>
+        <p:style>
+          <a:lnRef idx="2">
+            <a:schemeClr val="dk1"/>
+          </a:lnRef>
+          <a:fillRef idx="1">
+            <a:schemeClr val="lt1"/>
+          </a:fillRef>
+          <a:effectRef idx="0">
+            <a:schemeClr val="dk1"/>
+          </a:effectRef>
+          <a:fontRef idx="minor">
+            <a:schemeClr val="dk1"/>
+          </a:fontRef>
+        </p:style>
+        <p:txBody>
+          <a:bodyPr rtlCol="0" anchor="ctr"/>
+          <a:lstStyle/>
+          <a:p>
+            <a:pPr algn="ctr"/>
+            <a:r>
+              <a:rPr lang="zh-CN" altLang="en-US" dirty="0" smtClean="0"/>
+              <a:t>底层数据层（</a:t>
+            </a:r>
+            <a:r>
+              <a:rPr lang="zh-CN" altLang="en-US" smtClean="0"/>
+              <a:t>主要负责底层数据管理和编程封装）</a:t>
+            </a:r>
+            <a:endParaRPr lang="zh-CN" altLang="en-US" dirty="0"/>
+          </a:p>
+        </p:txBody>
+      </p:sp>
+      <p:cxnSp>
+        <p:nvCxnSpPr>
+          <p:cNvPr id="31" name="直接箭头连接符 30"/>
+          <p:cNvCxnSpPr/>
+          <p:nvPr/>
+        </p:nvCxnSpPr>
+        <p:spPr>
+          <a:xfrm flipV="1">
+            <a:off x="4889754" y="4354907"/>
+            <a:ext cx="0" cy="795606"/>
+          </a:xfrm>
+          <a:prstGeom prst="straightConnector1">
+            <a:avLst/>
+          </a:prstGeom>
+          <a:ln>
+            <a:tailEnd type="arrow"/>
+          </a:ln>
+        </p:spPr>
+        <p:style>
+          <a:lnRef idx="3">
+            <a:schemeClr val="dk1"/>
+          </a:lnRef>
+          <a:fillRef idx="0">
+            <a:schemeClr val="dk1"/>
+          </a:fillRef>
+          <a:effectRef idx="2">
+            <a:schemeClr val="dk1"/>
+          </a:effectRef>
+          <a:fontRef idx="minor">
+            <a:schemeClr val="tx1"/>
+          </a:fontRef>
+        </p:style>
+      </p:cxnSp>
+      <p:sp>
+        <p:nvSpPr>
+          <p:cNvPr id="32" name="TextBox 31"/>
+          <p:cNvSpPr txBox="1"/>
+          <p:nvPr/>
+        </p:nvSpPr>
+        <p:spPr>
+          <a:xfrm>
+            <a:off x="4084320" y="4520945"/>
+            <a:ext cx="480060" cy="646331"/>
+          </a:xfrm>
+          <a:prstGeom prst="rect">
+            <a:avLst/>
+          </a:prstGeom>
+          <a:noFill/>
+        </p:spPr>
+        <p:txBody>
+          <a:bodyPr wrap="square" rtlCol="0">
+            <a:spAutoFit/>
+          </a:bodyPr>
+          <a:lstStyle/>
+          <a:p>
+            <a:r>
+              <a:rPr lang="zh-CN" altLang="en-US" dirty="0" smtClean="0"/>
+              <a:t>数据</a:t>
+            </a:r>
+            <a:endParaRPr lang="zh-CN" altLang="en-US" dirty="0"/>
+          </a:p>
+        </p:txBody>
+      </p:sp>
+      <p:sp>
+        <p:nvSpPr>
+          <p:cNvPr id="33" name="TextBox 32"/>
+          <p:cNvSpPr txBox="1"/>
+          <p:nvPr/>
+        </p:nvSpPr>
+        <p:spPr>
+          <a:xfrm>
+            <a:off x="4940808" y="4542282"/>
+            <a:ext cx="480060" cy="646331"/>
+          </a:xfrm>
+          <a:prstGeom prst="rect">
+            <a:avLst/>
+          </a:prstGeom>
+          <a:noFill/>
+        </p:spPr>
+        <p:txBody>
+          <a:bodyPr wrap="square" rtlCol="0">
+            <a:spAutoFit/>
+          </a:bodyPr>
+          <a:lstStyle/>
+          <a:p>
+            <a:r>
+              <a:rPr lang="zh-CN" altLang="en-US" dirty="0" smtClean="0"/>
+              <a:t>数据</a:t>
+            </a:r>
+            <a:endParaRPr lang="zh-CN" altLang="en-US" dirty="0"/>
+          </a:p>
+        </p:txBody>
+      </p:sp>
+    </p:spTree>
+    <p:extLst>
+      <p:ext uri="{BB962C8B-B14F-4D97-AF65-F5344CB8AC3E}">
+        <p14:creationId xmlns:p14="http://schemas.microsoft.com/office/powerpoint/2010/main" val="1426520810"/>
+      </p:ext>
+    </p:extLst>
+  </p:cSld>
+  <p:clrMapOvr>
+    <a:masterClrMapping/>
+  </p:clrMapOvr>
+</p:sld>
+</file>
+
+<file path=ppt/slides/slide6.xml><?xml version="1.0" encoding="utf-8"?>
+<p:sld xmlns:a="http://schemas.openxmlformats.org/drawingml/2006/main" xmlns:r="http://schemas.openxmlformats.org/officeDocument/2006/relationships" xmlns:p="http://schemas.openxmlformats.org/presentationml/2006/main">
+  <p:cSld>
+    <p:spTree>
+      <p:nvGrpSpPr>
+        <p:cNvPr id="1" name=""/>
+        <p:cNvGrpSpPr/>
+        <p:nvPr/>
+      </p:nvGrpSpPr>
+      <p:grpSpPr>
+        <a:xfrm>
+          <a:off x="0" y="0"/>
+          <a:ext cx="0" cy="0"/>
+          <a:chOff x="0" y="0"/>
+          <a:chExt cx="0" cy="0"/>
+        </a:xfrm>
+      </p:grpSpPr>
+      <p:sp>
+        <p:nvSpPr>
+          <p:cNvPr id="2" name="矩形 1"/>
+          <p:cNvSpPr/>
+          <p:nvPr/>
+        </p:nvSpPr>
+        <p:spPr>
+          <a:xfrm>
+            <a:off x="2342388" y="1504188"/>
+            <a:ext cx="6573012" cy="621792"/>
+          </a:xfrm>
+          <a:prstGeom prst="rect">
+            <a:avLst/>
+          </a:prstGeom>
+        </p:spPr>
+        <p:style>
+          <a:lnRef idx="2">
+            <a:schemeClr val="dk1"/>
+          </a:lnRef>
+          <a:fillRef idx="1">
+            <a:schemeClr val="lt1"/>
+          </a:fillRef>
+          <a:effectRef idx="0">
+            <a:schemeClr val="dk1"/>
+          </a:effectRef>
+          <a:fontRef idx="minor">
+            <a:schemeClr val="dk1"/>
+          </a:fontRef>
+        </p:style>
+        <p:txBody>
+          <a:bodyPr rtlCol="0" anchor="ctr"/>
+          <a:lstStyle/>
+          <a:p>
+            <a:pPr algn="ctr"/>
+            <a:r>
+              <a:rPr lang="en-US" altLang="zh-CN" dirty="0" err="1" smtClean="0"/>
+              <a:t>TeraVR</a:t>
+            </a:r>
+            <a:endParaRPr lang="zh-CN" altLang="en-US" dirty="0"/>
+          </a:p>
+        </p:txBody>
+      </p:sp>
+      <p:cxnSp>
+        <p:nvCxnSpPr>
+          <p:cNvPr id="3" name="直接箭头连接符 2"/>
+          <p:cNvCxnSpPr/>
+          <p:nvPr/>
+        </p:nvCxnSpPr>
+        <p:spPr>
+          <a:xfrm>
+            <a:off x="2631948" y="2125980"/>
+            <a:ext cx="0" cy="429768"/>
+          </a:xfrm>
+          <a:prstGeom prst="straightConnector1">
+            <a:avLst/>
+          </a:prstGeom>
+          <a:ln>
+            <a:tailEnd type="arrow"/>
+          </a:ln>
+        </p:spPr>
+        <p:style>
+          <a:lnRef idx="3">
+            <a:schemeClr val="dk1"/>
+          </a:lnRef>
+          <a:fillRef idx="0">
+            <a:schemeClr val="dk1"/>
+          </a:fillRef>
+          <a:effectRef idx="2">
+            <a:schemeClr val="dk1"/>
+          </a:effectRef>
+          <a:fontRef idx="minor">
+            <a:schemeClr val="tx1"/>
+          </a:fontRef>
+        </p:style>
+      </p:cxnSp>
+      <p:sp>
+        <p:nvSpPr>
+          <p:cNvPr id="4" name="矩形 3"/>
+          <p:cNvSpPr/>
+          <p:nvPr/>
+        </p:nvSpPr>
+        <p:spPr>
+          <a:xfrm>
+            <a:off x="1445514" y="2555748"/>
+            <a:ext cx="2372868" cy="621792"/>
+          </a:xfrm>
+          <a:prstGeom prst="rect">
+            <a:avLst/>
+          </a:prstGeom>
+        </p:spPr>
+        <p:style>
+          <a:lnRef idx="2">
+            <a:schemeClr val="dk1"/>
+          </a:lnRef>
+          <a:fillRef idx="1">
+            <a:schemeClr val="lt1"/>
+          </a:fillRef>
+          <a:effectRef idx="0">
+            <a:schemeClr val="dk1"/>
+          </a:effectRef>
+          <a:fontRef idx="minor">
+            <a:schemeClr val="dk1"/>
+          </a:fontRef>
+        </p:style>
+        <p:txBody>
+          <a:bodyPr rtlCol="0" anchor="ctr"/>
+          <a:lstStyle/>
+          <a:p>
+            <a:pPr algn="ctr"/>
+            <a:r>
+              <a:rPr lang="zh-CN" altLang="en-US" dirty="0"/>
+              <a:t>交互</a:t>
+            </a:r>
+            <a:endParaRPr lang="zh-CN" altLang="en-US" dirty="0"/>
+          </a:p>
+        </p:txBody>
+      </p:sp>
+      <p:cxnSp>
+        <p:nvCxnSpPr>
+          <p:cNvPr id="5" name="直接箭头连接符 4"/>
+          <p:cNvCxnSpPr/>
+          <p:nvPr/>
+        </p:nvCxnSpPr>
+        <p:spPr>
+          <a:xfrm>
+            <a:off x="1603248" y="3177540"/>
+            <a:ext cx="0" cy="429768"/>
+          </a:xfrm>
+          <a:prstGeom prst="straightConnector1">
+            <a:avLst/>
+          </a:prstGeom>
+          <a:ln>
+            <a:tailEnd type="arrow"/>
+          </a:ln>
+        </p:spPr>
+        <p:style>
+          <a:lnRef idx="3">
+            <a:schemeClr val="dk1"/>
+          </a:lnRef>
+          <a:fillRef idx="0">
+            <a:schemeClr val="dk1"/>
+          </a:fillRef>
+          <a:effectRef idx="2">
+            <a:schemeClr val="dk1"/>
+          </a:effectRef>
+          <a:fontRef idx="minor">
+            <a:schemeClr val="tx1"/>
+          </a:fontRef>
+        </p:style>
+      </p:cxnSp>
+      <p:sp>
+        <p:nvSpPr>
+          <p:cNvPr id="6" name="矩形 5"/>
+          <p:cNvSpPr/>
+          <p:nvPr/>
+        </p:nvSpPr>
+        <p:spPr>
+          <a:xfrm>
+            <a:off x="1403985" y="3607308"/>
+            <a:ext cx="398526" cy="2679192"/>
+          </a:xfrm>
+          <a:prstGeom prst="rect">
+            <a:avLst/>
+          </a:prstGeom>
+        </p:spPr>
+        <p:style>
+          <a:lnRef idx="2">
+            <a:schemeClr val="dk1"/>
+          </a:lnRef>
+          <a:fillRef idx="1">
+            <a:schemeClr val="lt1"/>
+          </a:fillRef>
+          <a:effectRef idx="0">
+            <a:schemeClr val="dk1"/>
+          </a:effectRef>
+          <a:fontRef idx="minor">
+            <a:schemeClr val="dk1"/>
+          </a:fontRef>
+        </p:style>
+        <p:txBody>
+          <a:bodyPr rtlCol="0" anchor="ctr"/>
+          <a:lstStyle/>
+          <a:p>
+            <a:pPr algn="ctr"/>
+            <a:r>
+              <a:rPr lang="zh-CN" altLang="en-US" dirty="0" smtClean="0"/>
+              <a:t>头盔和手柄输入</a:t>
+            </a:r>
+            <a:endParaRPr lang="zh-CN" altLang="en-US" dirty="0"/>
+          </a:p>
+        </p:txBody>
+      </p:sp>
+      <p:cxnSp>
+        <p:nvCxnSpPr>
+          <p:cNvPr id="7" name="直接箭头连接符 6"/>
+          <p:cNvCxnSpPr/>
+          <p:nvPr/>
+        </p:nvCxnSpPr>
+        <p:spPr>
+          <a:xfrm>
+            <a:off x="2541651" y="3177540"/>
+            <a:ext cx="0" cy="429768"/>
+          </a:xfrm>
+          <a:prstGeom prst="straightConnector1">
+            <a:avLst/>
+          </a:prstGeom>
+          <a:ln>
+            <a:tailEnd type="arrow"/>
+          </a:ln>
+        </p:spPr>
+        <p:style>
+          <a:lnRef idx="3">
+            <a:schemeClr val="dk1"/>
+          </a:lnRef>
+          <a:fillRef idx="0">
+            <a:schemeClr val="dk1"/>
+          </a:fillRef>
+          <a:effectRef idx="2">
+            <a:schemeClr val="dk1"/>
+          </a:effectRef>
+          <a:fontRef idx="minor">
+            <a:schemeClr val="tx1"/>
+          </a:fontRef>
+        </p:style>
+      </p:cxnSp>
+      <p:sp>
+        <p:nvSpPr>
+          <p:cNvPr id="8" name="矩形 7"/>
+          <p:cNvSpPr/>
+          <p:nvPr/>
+        </p:nvSpPr>
+        <p:spPr>
+          <a:xfrm>
+            <a:off x="2342388" y="3607308"/>
+            <a:ext cx="398526" cy="2679192"/>
+          </a:xfrm>
+          <a:prstGeom prst="rect">
+            <a:avLst/>
+          </a:prstGeom>
+        </p:spPr>
+        <p:style>
+          <a:lnRef idx="2">
+            <a:schemeClr val="dk1"/>
+          </a:lnRef>
+          <a:fillRef idx="1">
+            <a:schemeClr val="lt1"/>
+          </a:fillRef>
+          <a:effectRef idx="0">
+            <a:schemeClr val="dk1"/>
+          </a:effectRef>
+          <a:fontRef idx="minor">
+            <a:schemeClr val="dk1"/>
+          </a:fontRef>
+        </p:style>
+        <p:txBody>
+          <a:bodyPr rtlCol="0" anchor="ctr"/>
+          <a:lstStyle/>
+          <a:p>
+            <a:pPr algn="ctr"/>
+            <a:r>
+              <a:rPr lang="zh-CN" altLang="en-US" dirty="0" smtClean="0"/>
+              <a:t>图像和数据显示</a:t>
+            </a:r>
+            <a:endParaRPr lang="zh-CN" altLang="en-US" dirty="0"/>
+          </a:p>
+        </p:txBody>
+      </p:sp>
+      <p:cxnSp>
+        <p:nvCxnSpPr>
+          <p:cNvPr id="9" name="直接箭头连接符 8"/>
+          <p:cNvCxnSpPr/>
+          <p:nvPr/>
+        </p:nvCxnSpPr>
+        <p:spPr>
+          <a:xfrm>
+            <a:off x="3652647" y="3177540"/>
+            <a:ext cx="0" cy="429768"/>
+          </a:xfrm>
+          <a:prstGeom prst="straightConnector1">
+            <a:avLst/>
+          </a:prstGeom>
+          <a:ln>
+            <a:tailEnd type="arrow"/>
+          </a:ln>
+        </p:spPr>
+        <p:style>
+          <a:lnRef idx="3">
+            <a:schemeClr val="dk1"/>
+          </a:lnRef>
+          <a:fillRef idx="0">
+            <a:schemeClr val="dk1"/>
+          </a:fillRef>
+          <a:effectRef idx="2">
+            <a:schemeClr val="dk1"/>
+          </a:effectRef>
+          <a:fontRef idx="minor">
+            <a:schemeClr val="tx1"/>
+          </a:fontRef>
+        </p:style>
+      </p:cxnSp>
+      <p:sp>
+        <p:nvSpPr>
+          <p:cNvPr id="10" name="矩形 9"/>
+          <p:cNvSpPr/>
+          <p:nvPr/>
+        </p:nvSpPr>
+        <p:spPr>
+          <a:xfrm>
+            <a:off x="3453384" y="3607308"/>
+            <a:ext cx="398526" cy="2679192"/>
+          </a:xfrm>
+          <a:prstGeom prst="rect">
+            <a:avLst/>
+          </a:prstGeom>
+        </p:spPr>
+        <p:style>
+          <a:lnRef idx="2">
+            <a:schemeClr val="dk1"/>
+          </a:lnRef>
+          <a:fillRef idx="1">
+            <a:schemeClr val="lt1"/>
+          </a:fillRef>
+          <a:effectRef idx="0">
+            <a:schemeClr val="dk1"/>
+          </a:effectRef>
+          <a:fontRef idx="minor">
+            <a:schemeClr val="dk1"/>
+          </a:fontRef>
+        </p:style>
+        <p:txBody>
+          <a:bodyPr rtlCol="0" anchor="ctr"/>
+          <a:lstStyle/>
+          <a:p>
+            <a:pPr algn="ctr"/>
+            <a:r>
+              <a:rPr lang="zh-CN" altLang="en-US" dirty="0" smtClean="0"/>
+              <a:t>用户界面</a:t>
+            </a:r>
+            <a:endParaRPr lang="zh-CN" altLang="en-US" dirty="0"/>
+          </a:p>
+        </p:txBody>
+      </p:sp>
+    </p:spTree>
+    <p:extLst>
+      <p:ext uri="{BB962C8B-B14F-4D97-AF65-F5344CB8AC3E}">
+        <p14:creationId xmlns:p14="http://schemas.microsoft.com/office/powerpoint/2010/main" val="2387774238"/>
+      </p:ext>
+    </p:extLst>
+  </p:cSld>
+  <p:clrMapOvr>
+    <a:masterClrMapping/>
+  </p:clrMapOvr>
+</p:sld>
+</file>
+
+<file path=ppt/slides/slide7.xml><?xml version="1.0" encoding="utf-8"?>
+<p:sld xmlns:a="http://schemas.openxmlformats.org/drawingml/2006/main" xmlns:r="http://schemas.openxmlformats.org/officeDocument/2006/relationships" xmlns:p="http://schemas.openxmlformats.org/presentationml/2006/main">
+  <p:cSld>
+    <p:spTree>
+      <p:nvGrpSpPr>
+        <p:cNvPr id="1" name=""/>
+        <p:cNvGrpSpPr/>
+        <p:nvPr/>
+      </p:nvGrpSpPr>
+      <p:grpSpPr>
+        <a:xfrm>
+          <a:off x="0" y="0"/>
+          <a:ext cx="0" cy="0"/>
+          <a:chOff x="0" y="0"/>
+          <a:chExt cx="0" cy="0"/>
+        </a:xfrm>
+      </p:grpSpPr>
+      <p:pic>
+        <p:nvPicPr>
+          <p:cNvPr id="3" name="图片 2"/>
+          <p:cNvPicPr/>
+          <p:nvPr/>
+        </p:nvPicPr>
+        <p:blipFill>
+          <a:blip r:embed="rId2"/>
+          <a:stretch>
+            <a:fillRect/>
+          </a:stretch>
+        </p:blipFill>
+        <p:spPr>
+          <a:xfrm>
+            <a:off x="303276" y="618744"/>
+            <a:ext cx="4434840" cy="3627120"/>
+          </a:xfrm>
+          <a:prstGeom prst="rect">
+            <a:avLst/>
+          </a:prstGeom>
+        </p:spPr>
+      </p:pic>
+      <p:sp>
+        <p:nvSpPr>
+          <p:cNvPr id="2" name="矩形 1"/>
+          <p:cNvSpPr/>
+          <p:nvPr/>
+        </p:nvSpPr>
+        <p:spPr>
+          <a:xfrm>
+            <a:off x="6848856" y="1280160"/>
+            <a:ext cx="1911096" cy="429768"/>
+          </a:xfrm>
+          <a:prstGeom prst="rect">
+            <a:avLst/>
+          </a:prstGeom>
+        </p:spPr>
+        <p:style>
+          <a:lnRef idx="2">
+            <a:schemeClr val="dk1"/>
+          </a:lnRef>
+          <a:fillRef idx="1">
+            <a:schemeClr val="lt1"/>
+          </a:fillRef>
+          <a:effectRef idx="0">
+            <a:schemeClr val="dk1"/>
+          </a:effectRef>
+          <a:fontRef idx="minor">
+            <a:schemeClr val="dk1"/>
+          </a:fontRef>
+        </p:style>
+        <p:txBody>
+          <a:bodyPr rtlCol="0" anchor="ctr"/>
+          <a:lstStyle/>
+          <a:p>
+            <a:pPr algn="ctr"/>
+            <a:r>
+              <a:rPr lang="zh-CN" altLang="en-US" dirty="0"/>
+              <a:t>体数据</a:t>
+            </a:r>
+          </a:p>
+        </p:txBody>
+      </p:sp>
+      <p:cxnSp>
+        <p:nvCxnSpPr>
+          <p:cNvPr id="6" name="直接箭头连接符 5"/>
+          <p:cNvCxnSpPr>
+            <a:stCxn id="2" idx="2"/>
+          </p:cNvCxnSpPr>
+          <p:nvPr/>
+        </p:nvCxnSpPr>
+        <p:spPr>
+          <a:xfrm>
+            <a:off x="7804404" y="1709928"/>
+            <a:ext cx="0" cy="420624"/>
+          </a:xfrm>
+          <a:prstGeom prst="straightConnector1">
+            <a:avLst/>
+          </a:prstGeom>
+          <a:ln>
+            <a:tailEnd type="arrow"/>
+          </a:ln>
+        </p:spPr>
+        <p:style>
+          <a:lnRef idx="1">
+            <a:schemeClr val="dk1"/>
+          </a:lnRef>
+          <a:fillRef idx="0">
+            <a:schemeClr val="dk1"/>
+          </a:fillRef>
+          <a:effectRef idx="0">
+            <a:schemeClr val="dk1"/>
+          </a:effectRef>
+          <a:fontRef idx="minor">
+            <a:schemeClr val="tx1"/>
+          </a:fontRef>
+        </p:style>
+      </p:cxnSp>
+      <p:sp>
+        <p:nvSpPr>
+          <p:cNvPr id="7" name="矩形 6"/>
+          <p:cNvSpPr/>
+          <p:nvPr/>
+        </p:nvSpPr>
+        <p:spPr>
+          <a:xfrm>
+            <a:off x="6848856" y="2139696"/>
+            <a:ext cx="1911096" cy="429768"/>
+          </a:xfrm>
+          <a:prstGeom prst="rect">
+            <a:avLst/>
+          </a:prstGeom>
+        </p:spPr>
+        <p:style>
+          <a:lnRef idx="2">
+            <a:schemeClr val="dk1"/>
+          </a:lnRef>
+          <a:fillRef idx="1">
+            <a:schemeClr val="lt1"/>
+          </a:fillRef>
+          <a:effectRef idx="0">
+            <a:schemeClr val="dk1"/>
+          </a:effectRef>
+          <a:fontRef idx="minor">
+            <a:schemeClr val="dk1"/>
+          </a:fontRef>
+        </p:style>
+        <p:txBody>
+          <a:bodyPr rtlCol="0" anchor="ctr"/>
+          <a:lstStyle/>
+          <a:p>
+            <a:pPr algn="ctr"/>
+            <a:r>
+              <a:rPr lang="zh-CN" altLang="en-US" dirty="0"/>
+              <a:t>预处理</a:t>
+            </a:r>
+          </a:p>
+        </p:txBody>
+      </p:sp>
+      <p:cxnSp>
+        <p:nvCxnSpPr>
+          <p:cNvPr id="8" name="直接箭头连接符 7"/>
+          <p:cNvCxnSpPr>
+            <a:stCxn id="7" idx="2"/>
+          </p:cNvCxnSpPr>
+          <p:nvPr/>
+        </p:nvCxnSpPr>
+        <p:spPr>
+          <a:xfrm>
+            <a:off x="7804404" y="2569464"/>
+            <a:ext cx="0" cy="420624"/>
+          </a:xfrm>
+          <a:prstGeom prst="straightConnector1">
+            <a:avLst/>
+          </a:prstGeom>
+          <a:ln>
+            <a:tailEnd type="arrow"/>
+          </a:ln>
+        </p:spPr>
+        <p:style>
+          <a:lnRef idx="1">
+            <a:schemeClr val="dk1"/>
+          </a:lnRef>
+          <a:fillRef idx="0">
+            <a:schemeClr val="dk1"/>
+          </a:fillRef>
+          <a:effectRef idx="0">
+            <a:schemeClr val="dk1"/>
+          </a:effectRef>
+          <a:fontRef idx="minor">
+            <a:schemeClr val="tx1"/>
+          </a:fontRef>
+        </p:style>
+      </p:cxnSp>
+      <p:sp>
+        <p:nvSpPr>
+          <p:cNvPr id="9" name="矩形 8"/>
+          <p:cNvSpPr/>
+          <p:nvPr/>
+        </p:nvSpPr>
+        <p:spPr>
+          <a:xfrm>
+            <a:off x="6848856" y="2990088"/>
+            <a:ext cx="1911096" cy="429768"/>
+          </a:xfrm>
+          <a:prstGeom prst="rect">
+            <a:avLst/>
+          </a:prstGeom>
+        </p:spPr>
+        <p:style>
+          <a:lnRef idx="2">
+            <a:schemeClr val="dk1"/>
+          </a:lnRef>
+          <a:fillRef idx="1">
+            <a:schemeClr val="lt1"/>
+          </a:fillRef>
+          <a:effectRef idx="0">
+            <a:schemeClr val="dk1"/>
+          </a:effectRef>
+          <a:fontRef idx="minor">
+            <a:schemeClr val="dk1"/>
+          </a:fontRef>
+        </p:style>
+        <p:txBody>
+          <a:bodyPr rtlCol="0" anchor="ctr"/>
+          <a:lstStyle/>
+          <a:p>
+            <a:pPr algn="ctr"/>
+            <a:r>
+              <a:rPr lang="zh-CN" altLang="en-US" dirty="0"/>
+              <a:t>分类</a:t>
+            </a:r>
+          </a:p>
+        </p:txBody>
+      </p:sp>
+      <p:cxnSp>
+        <p:nvCxnSpPr>
+          <p:cNvPr id="10" name="直接箭头连接符 9"/>
+          <p:cNvCxnSpPr>
+            <a:stCxn id="9" idx="2"/>
+          </p:cNvCxnSpPr>
+          <p:nvPr/>
+        </p:nvCxnSpPr>
+        <p:spPr>
+          <a:xfrm>
+            <a:off x="7804404" y="3419856"/>
+            <a:ext cx="0" cy="420624"/>
+          </a:xfrm>
+          <a:prstGeom prst="straightConnector1">
+            <a:avLst/>
+          </a:prstGeom>
+          <a:ln>
+            <a:tailEnd type="arrow"/>
+          </a:ln>
+        </p:spPr>
+        <p:style>
+          <a:lnRef idx="1">
+            <a:schemeClr val="dk1"/>
+          </a:lnRef>
+          <a:fillRef idx="0">
+            <a:schemeClr val="dk1"/>
+          </a:fillRef>
+          <a:effectRef idx="0">
+            <a:schemeClr val="dk1"/>
+          </a:effectRef>
+          <a:fontRef idx="minor">
+            <a:schemeClr val="tx1"/>
+          </a:fontRef>
+        </p:style>
+      </p:cxnSp>
+      <p:sp>
+        <p:nvSpPr>
+          <p:cNvPr id="11" name="矩形 10"/>
+          <p:cNvSpPr/>
+          <p:nvPr/>
+        </p:nvSpPr>
+        <p:spPr>
+          <a:xfrm>
+            <a:off x="6848856" y="3816096"/>
+            <a:ext cx="1911096" cy="429768"/>
+          </a:xfrm>
+          <a:prstGeom prst="rect">
+            <a:avLst/>
+          </a:prstGeom>
+        </p:spPr>
+        <p:style>
+          <a:lnRef idx="2">
+            <a:schemeClr val="dk1"/>
+          </a:lnRef>
+          <a:fillRef idx="1">
+            <a:schemeClr val="lt1"/>
+          </a:fillRef>
+          <a:effectRef idx="0">
+            <a:schemeClr val="dk1"/>
+          </a:effectRef>
+          <a:fontRef idx="minor">
+            <a:schemeClr val="dk1"/>
+          </a:fontRef>
+        </p:style>
+        <p:txBody>
+          <a:bodyPr rtlCol="0" anchor="ctr"/>
+          <a:lstStyle/>
+          <a:p>
+            <a:pPr algn="ctr"/>
+            <a:r>
+              <a:rPr lang="zh-CN" altLang="en-US" dirty="0" smtClean="0"/>
+              <a:t>光照</a:t>
+            </a:r>
+            <a:endParaRPr lang="zh-CN" altLang="en-US" dirty="0"/>
+          </a:p>
+        </p:txBody>
+      </p:sp>
+      <p:cxnSp>
+        <p:nvCxnSpPr>
+          <p:cNvPr id="12" name="直接箭头连接符 11"/>
+          <p:cNvCxnSpPr>
+            <a:stCxn id="11" idx="2"/>
+          </p:cNvCxnSpPr>
+          <p:nvPr/>
+        </p:nvCxnSpPr>
+        <p:spPr>
+          <a:xfrm>
+            <a:off x="7804404" y="4245864"/>
+            <a:ext cx="0" cy="420624"/>
+          </a:xfrm>
+          <a:prstGeom prst="straightConnector1">
+            <a:avLst/>
+          </a:prstGeom>
+          <a:ln>
+            <a:tailEnd type="arrow"/>
+          </a:ln>
+        </p:spPr>
+        <p:style>
+          <a:lnRef idx="1">
+            <a:schemeClr val="dk1"/>
+          </a:lnRef>
+          <a:fillRef idx="0">
+            <a:schemeClr val="dk1"/>
+          </a:fillRef>
+          <a:effectRef idx="0">
+            <a:schemeClr val="dk1"/>
+          </a:effectRef>
+          <a:fontRef idx="minor">
+            <a:schemeClr val="tx1"/>
+          </a:fontRef>
+        </p:style>
+      </p:cxnSp>
+      <p:sp>
+        <p:nvSpPr>
+          <p:cNvPr id="13" name="矩形 12"/>
+          <p:cNvSpPr/>
+          <p:nvPr/>
+        </p:nvSpPr>
+        <p:spPr>
+          <a:xfrm>
+            <a:off x="6848856" y="4634484"/>
+            <a:ext cx="1911096" cy="429768"/>
+          </a:xfrm>
+          <a:prstGeom prst="rect">
+            <a:avLst/>
+          </a:prstGeom>
+        </p:spPr>
+        <p:style>
+          <a:lnRef idx="2">
+            <a:schemeClr val="dk1"/>
+          </a:lnRef>
+          <a:fillRef idx="1">
+            <a:schemeClr val="lt1"/>
+          </a:fillRef>
+          <a:effectRef idx="0">
+            <a:schemeClr val="dk1"/>
+          </a:effectRef>
+          <a:fontRef idx="minor">
+            <a:schemeClr val="dk1"/>
+          </a:fontRef>
+        </p:style>
+        <p:txBody>
+          <a:bodyPr rtlCol="0" anchor="ctr"/>
+          <a:lstStyle/>
+          <a:p>
+            <a:pPr algn="ctr"/>
+            <a:r>
+              <a:rPr lang="zh-CN" altLang="en-US" dirty="0" smtClean="0"/>
+              <a:t>合成</a:t>
+            </a:r>
+            <a:endParaRPr lang="zh-CN" altLang="en-US" dirty="0"/>
+          </a:p>
+        </p:txBody>
+      </p:sp>
+      <p:cxnSp>
+        <p:nvCxnSpPr>
+          <p:cNvPr id="14" name="直接箭头连接符 13"/>
+          <p:cNvCxnSpPr>
+            <a:stCxn id="13" idx="2"/>
+          </p:cNvCxnSpPr>
+          <p:nvPr/>
+        </p:nvCxnSpPr>
+        <p:spPr>
+          <a:xfrm>
+            <a:off x="7804404" y="5064252"/>
+            <a:ext cx="0" cy="420624"/>
+          </a:xfrm>
+          <a:prstGeom prst="straightConnector1">
+            <a:avLst/>
+          </a:prstGeom>
+          <a:ln>
+            <a:tailEnd type="arrow"/>
+          </a:ln>
+        </p:spPr>
+        <p:style>
+          <a:lnRef idx="1">
+            <a:schemeClr val="dk1"/>
+          </a:lnRef>
+          <a:fillRef idx="0">
+            <a:schemeClr val="dk1"/>
+          </a:fillRef>
+          <a:effectRef idx="0">
+            <a:schemeClr val="dk1"/>
+          </a:effectRef>
+          <a:fontRef idx="minor">
+            <a:schemeClr val="tx1"/>
+          </a:fontRef>
+        </p:style>
+      </p:cxnSp>
+      <p:sp>
+        <p:nvSpPr>
+          <p:cNvPr id="15" name="矩形 14"/>
+          <p:cNvSpPr/>
+          <p:nvPr/>
+        </p:nvSpPr>
+        <p:spPr>
+          <a:xfrm>
+            <a:off x="6848856" y="5484876"/>
+            <a:ext cx="1911096" cy="429768"/>
+          </a:xfrm>
+          <a:prstGeom prst="rect">
+            <a:avLst/>
+          </a:prstGeom>
+        </p:spPr>
+        <p:style>
+          <a:lnRef idx="2">
+            <a:schemeClr val="dk1"/>
+          </a:lnRef>
+          <a:fillRef idx="1">
+            <a:schemeClr val="lt1"/>
+          </a:fillRef>
+          <a:effectRef idx="0">
+            <a:schemeClr val="dk1"/>
+          </a:effectRef>
+          <a:fontRef idx="minor">
+            <a:schemeClr val="dk1"/>
+          </a:fontRef>
+        </p:style>
+        <p:txBody>
+          <a:bodyPr rtlCol="0" anchor="ctr"/>
+          <a:lstStyle/>
+          <a:p>
+            <a:pPr algn="ctr"/>
+            <a:r>
+              <a:rPr lang="zh-CN" altLang="en-US" dirty="0" smtClean="0"/>
+              <a:t>最终图像</a:t>
+            </a:r>
+            <a:endParaRPr lang="zh-CN" altLang="en-US" dirty="0"/>
+          </a:p>
+        </p:txBody>
+      </p:sp>
+      <p:cxnSp>
+        <p:nvCxnSpPr>
+          <p:cNvPr id="20" name="肘形连接符 19"/>
+          <p:cNvCxnSpPr>
+            <a:stCxn id="7" idx="3"/>
+            <a:endCxn id="2" idx="3"/>
+          </p:cNvCxnSpPr>
+          <p:nvPr/>
+        </p:nvCxnSpPr>
+        <p:spPr>
+          <a:xfrm flipV="1">
+            <a:off x="8759952" y="1495044"/>
+            <a:ext cx="12700" cy="859536"/>
+          </a:xfrm>
+          <a:prstGeom prst="bentConnector3">
+            <a:avLst>
+              <a:gd name="adj1" fmla="val 1800000"/>
+            </a:avLst>
+          </a:prstGeom>
+        </p:spPr>
+        <p:style>
+          <a:lnRef idx="1">
+            <a:schemeClr val="dk1"/>
+          </a:lnRef>
+          <a:fillRef idx="0">
+            <a:schemeClr val="dk1"/>
+          </a:fillRef>
+          <a:effectRef idx="0">
+            <a:schemeClr val="dk1"/>
+          </a:effectRef>
+          <a:fontRef idx="minor">
+            <a:schemeClr val="tx1"/>
+          </a:fontRef>
+        </p:style>
+      </p:cxnSp>
+      <p:cxnSp>
+        <p:nvCxnSpPr>
+          <p:cNvPr id="27" name="直接连接符 26"/>
+          <p:cNvCxnSpPr/>
+          <p:nvPr/>
+        </p:nvCxnSpPr>
+        <p:spPr>
+          <a:xfrm>
+            <a:off x="8979408" y="1920240"/>
+            <a:ext cx="365760" cy="4572"/>
+          </a:xfrm>
+          <a:prstGeom prst="line">
+            <a:avLst/>
+          </a:prstGeom>
+        </p:spPr>
+        <p:style>
+          <a:lnRef idx="1">
+            <a:schemeClr val="dk1"/>
+          </a:lnRef>
+          <a:fillRef idx="0">
+            <a:schemeClr val="dk1"/>
+          </a:fillRef>
+          <a:effectRef idx="0">
+            <a:schemeClr val="dk1"/>
+          </a:effectRef>
+          <a:fontRef idx="minor">
+            <a:schemeClr val="tx1"/>
+          </a:fontRef>
+        </p:style>
+      </p:cxnSp>
+      <p:sp>
+        <p:nvSpPr>
+          <p:cNvPr id="28" name="TextBox 27"/>
+          <p:cNvSpPr txBox="1"/>
+          <p:nvPr/>
+        </p:nvSpPr>
+        <p:spPr>
+          <a:xfrm>
+            <a:off x="9445752" y="1746504"/>
+            <a:ext cx="1107996" cy="369332"/>
+          </a:xfrm>
+          <a:prstGeom prst="rect">
+            <a:avLst/>
+          </a:prstGeom>
+          <a:noFill/>
+        </p:spPr>
+        <p:txBody>
+          <a:bodyPr wrap="none" rtlCol="0">
+            <a:spAutoFit/>
+          </a:bodyPr>
+          <a:lstStyle/>
+          <a:p>
+            <a:r>
+              <a:rPr lang="zh-CN" altLang="en-US" dirty="0" smtClean="0"/>
+              <a:t>准备阶段</a:t>
+            </a:r>
+            <a:endParaRPr lang="zh-CN" altLang="en-US" dirty="0"/>
+          </a:p>
+        </p:txBody>
+      </p:sp>
+      <p:cxnSp>
+        <p:nvCxnSpPr>
+          <p:cNvPr id="29" name="直接连接符 28"/>
+          <p:cNvCxnSpPr/>
+          <p:nvPr/>
+        </p:nvCxnSpPr>
+        <p:spPr>
+          <a:xfrm>
+            <a:off x="8772652" y="3224260"/>
+            <a:ext cx="365760" cy="4572"/>
+          </a:xfrm>
+          <a:prstGeom prst="line">
+            <a:avLst/>
+          </a:prstGeom>
+        </p:spPr>
+        <p:style>
+          <a:lnRef idx="1">
+            <a:schemeClr val="dk1"/>
+          </a:lnRef>
+          <a:fillRef idx="0">
+            <a:schemeClr val="dk1"/>
+          </a:fillRef>
+          <a:effectRef idx="0">
+            <a:schemeClr val="dk1"/>
+          </a:effectRef>
+          <a:fontRef idx="minor">
+            <a:schemeClr val="tx1"/>
+          </a:fontRef>
+        </p:style>
+      </p:cxnSp>
+      <p:sp>
+        <p:nvSpPr>
+          <p:cNvPr id="30" name="TextBox 29"/>
+          <p:cNvSpPr txBox="1"/>
+          <p:nvPr/>
+        </p:nvSpPr>
+        <p:spPr>
+          <a:xfrm>
+            <a:off x="9238996" y="3050524"/>
+            <a:ext cx="1569660" cy="369332"/>
+          </a:xfrm>
+          <a:prstGeom prst="rect">
+            <a:avLst/>
+          </a:prstGeom>
+          <a:noFill/>
+        </p:spPr>
+        <p:txBody>
+          <a:bodyPr wrap="none" rtlCol="0">
+            <a:spAutoFit/>
+          </a:bodyPr>
+          <a:lstStyle/>
+          <a:p>
+            <a:r>
+              <a:rPr lang="zh-CN" altLang="en-US" dirty="0" smtClean="0"/>
+              <a:t>传递函数映射</a:t>
+            </a:r>
+            <a:endParaRPr lang="zh-CN" altLang="en-US" dirty="0"/>
+          </a:p>
+        </p:txBody>
+      </p:sp>
+      <p:cxnSp>
+        <p:nvCxnSpPr>
+          <p:cNvPr id="31" name="直接连接符 30"/>
+          <p:cNvCxnSpPr/>
+          <p:nvPr/>
+        </p:nvCxnSpPr>
+        <p:spPr>
+          <a:xfrm>
+            <a:off x="8772652" y="4050792"/>
+            <a:ext cx="365760" cy="4572"/>
+          </a:xfrm>
+          <a:prstGeom prst="line">
+            <a:avLst/>
+          </a:prstGeom>
+        </p:spPr>
+        <p:style>
+          <a:lnRef idx="1">
+            <a:schemeClr val="dk1"/>
+          </a:lnRef>
+          <a:fillRef idx="0">
+            <a:schemeClr val="dk1"/>
+          </a:fillRef>
+          <a:effectRef idx="0">
+            <a:schemeClr val="dk1"/>
+          </a:effectRef>
+          <a:fontRef idx="minor">
+            <a:schemeClr val="tx1"/>
+          </a:fontRef>
+        </p:style>
+      </p:cxnSp>
+      <p:sp>
+        <p:nvSpPr>
+          <p:cNvPr id="32" name="TextBox 31"/>
+          <p:cNvSpPr txBox="1"/>
+          <p:nvPr/>
+        </p:nvSpPr>
+        <p:spPr>
+          <a:xfrm>
+            <a:off x="9238996" y="3877056"/>
+            <a:ext cx="1107996" cy="369332"/>
+          </a:xfrm>
+          <a:prstGeom prst="rect">
+            <a:avLst/>
+          </a:prstGeom>
+          <a:noFill/>
+        </p:spPr>
+        <p:txBody>
+          <a:bodyPr wrap="none" rtlCol="0">
+            <a:spAutoFit/>
+          </a:bodyPr>
+          <a:lstStyle/>
+          <a:p>
+            <a:r>
+              <a:rPr lang="zh-CN" altLang="en-US" dirty="0" smtClean="0"/>
+              <a:t>梯度计算</a:t>
+            </a:r>
+            <a:endParaRPr lang="zh-CN" altLang="en-US" dirty="0"/>
+          </a:p>
+        </p:txBody>
+      </p:sp>
+      <p:cxnSp>
+        <p:nvCxnSpPr>
+          <p:cNvPr id="33" name="直接连接符 32"/>
+          <p:cNvCxnSpPr/>
+          <p:nvPr/>
+        </p:nvCxnSpPr>
+        <p:spPr>
+          <a:xfrm>
+            <a:off x="8761524" y="4868656"/>
+            <a:ext cx="365760" cy="4572"/>
+          </a:xfrm>
+          <a:prstGeom prst="line">
+            <a:avLst/>
+          </a:prstGeom>
+        </p:spPr>
+        <p:style>
+          <a:lnRef idx="1">
+            <a:schemeClr val="dk1"/>
+          </a:lnRef>
+          <a:fillRef idx="0">
+            <a:schemeClr val="dk1"/>
+          </a:fillRef>
+          <a:effectRef idx="0">
+            <a:schemeClr val="dk1"/>
+          </a:effectRef>
+          <a:fontRef idx="minor">
+            <a:schemeClr val="tx1"/>
+          </a:fontRef>
+        </p:style>
+      </p:cxnSp>
+      <p:sp>
+        <p:nvSpPr>
+          <p:cNvPr id="34" name="TextBox 33"/>
+          <p:cNvSpPr txBox="1"/>
+          <p:nvPr/>
+        </p:nvSpPr>
+        <p:spPr>
+          <a:xfrm>
+            <a:off x="9227868" y="4694920"/>
+            <a:ext cx="1338828" cy="369332"/>
+          </a:xfrm>
+          <a:prstGeom prst="rect">
+            <a:avLst/>
+          </a:prstGeom>
+          <a:noFill/>
+        </p:spPr>
+        <p:txBody>
+          <a:bodyPr wrap="none" rtlCol="0">
+            <a:spAutoFit/>
+          </a:bodyPr>
+          <a:lstStyle/>
+          <a:p>
+            <a:r>
+              <a:rPr lang="zh-CN" altLang="en-US" dirty="0" smtClean="0"/>
+              <a:t>透明度混合</a:t>
+            </a:r>
+            <a:endParaRPr lang="zh-CN" altLang="en-US" dirty="0"/>
+          </a:p>
+        </p:txBody>
+      </p:sp>
+    </p:spTree>
+    <p:extLst>
+      <p:ext uri="{BB962C8B-B14F-4D97-AF65-F5344CB8AC3E}">
+        <p14:creationId xmlns:p14="http://schemas.microsoft.com/office/powerpoint/2010/main" val="2416501856"/>
+      </p:ext>
+    </p:extLst>
+  </p:cSld>
+  <p:clrMapOvr>
+    <a:masterClrMapping/>
+  </p:clrMapOvr>
+</p:sld>
+</file>
+
 <file path=ppt/theme/theme1.xml><?xml version="1.0" encoding="utf-8"?>
 <a:theme xmlns:a="http://schemas.openxmlformats.org/drawingml/2006/main" name="Office 主题​​">
   <a:themeElements>
